--- a/reports/prezentacja-zajecia.pptx
+++ b/reports/prezentacja-zajecia.pptx
@@ -8,8 +8,9 @@
     <p:sldId id="256" r:id="rId8"/>
     <p:sldId id="257" r:id="rId9"/>
     <p:sldId id="259" r:id="rId11"/>
-    <p:sldId id="258" r:id="rId10"/>
     <p:sldId id="260" r:id="rId12"/>
+    <p:sldId id="261" r:id="rId13"/>
+    <p:sldId id="262" r:id="rId14"/>
   </p:sldIdLst>
   <p:sldSz cx="9144000" cy="6858000" type="screen4x3"/>
   <p:notesSz cx="6858000" cy="9144000"/>
@@ -2350,58 +2351,6 @@
 </p:sld>
 </file>
 
-<file path=ppt/slides/slide3.xml><?xml version="1.0" encoding="utf-8"?>
-<p:sld xmlns:a="http://schemas.openxmlformats.org/drawingml/2006/main" xmlns:r="http://schemas.openxmlformats.org/officeDocument/2006/relationships" xmlns:p="http://schemas.openxmlformats.org/presentationml/2006/main">
-  <p:cSld>
-    <p:spTree>
-      <p:nvGrpSpPr>
-        <p:cNvPr id="1" name=""/>
-        <p:cNvGrpSpPr/>
-        <p:nvPr/>
-      </p:nvGrpSpPr>
-      <p:grpSpPr>
-        <a:xfrm>
-          <a:off x="0" y="0"/>
-          <a:ext cx="0" cy="0"/>
-          <a:chOff x="0" y="0"/>
-          <a:chExt cx="0" cy="0"/>
-        </a:xfrm>
-      </p:grpSpPr>
-      <p:sp xmlns:a="http://schemas.openxmlformats.org/drawingml/2006/main" xmlns:r="http://schemas.openxmlformats.org/officeDocument/2006/relationships" xmlns:p="http://schemas.openxmlformats.org/presentationml/2006/main">
-        <p:nvSpPr>
-          <p:cNvPr id="2" name="Title 1"/>
-          <p:cNvSpPr>
-            <a:spLocks noGrp="1"/>
-          </p:cNvSpPr>
-          <p:nvPr>
-            <p:ph type="title"/>
-          </p:nvPr>
-        </p:nvSpPr>
-        <p:spPr>
-          <a:xfrm>
-            <a:off x="457200" y="274638"/>
-            <a:ext cx="8229600" cy="1143000"/>
-          </a:xfrm>
-        </p:spPr>
-        <p:txBody>
-          <a:bodyPr/>
-          <a:lstStyle/>
-          <a:p>
-            <a:r>
-              <a:rPr/>
-              <a:t>Dziękuję za uwagę</a:t>
-            </a:r>
-          </a:p>
-        </p:txBody>
-      </p:sp>
-    </p:spTree>
-  </p:cSld>
-  <p:clrMapOvr>
-    <a:masterClrMapping/>
-  </p:clrMapOvr>
-</p:sld>
-</file>
-
 <file path=ppt/slides/slide4.xml><?xml version="1.0" encoding="utf-8"?>
 <p:sld xmlns:a="http://schemas.openxmlformats.org/drawingml/2006/main" xmlns:r="http://schemas.openxmlformats.org/officeDocument/2006/relationships" xmlns:p="http://schemas.openxmlformats.org/presentationml/2006/main">
   <p:cSld>
@@ -2470,6 +2419,57 @@
           <a:chExt cx="0" cy="0"/>
         </a:xfrm>
       </p:grpSpPr>
+      <p:pic xmlns:a="http://schemas.openxmlformats.org/drawingml/2006/main" xmlns:r="http://schemas.openxmlformats.org/officeDocument/2006/relationships" xmlns:p="http://schemas.openxmlformats.org/presentationml/2006/main">
+        <p:nvPicPr>
+          <p:cNvPr id="2" name=""/>
+          <p:cNvPicPr>
+            <a:picLocks noGrp="1"/>
+          </p:cNvPicPr>
+          <p:nvPr>
+            <p:ph/>
+          </p:nvPr>
+        </p:nvPicPr>
+        <p:blipFill>
+          <a:blip cstate="print" r:embed="rId2"/>
+          <a:stretch>
+            <a:fillRect/>
+          </a:stretch>
+        </p:blipFill>
+        <p:spPr>
+          <a:xfrm>
+            <a:off x="0" y="0"/>
+            <a:ext cx="9144000" cy="6858000"/>
+          </a:xfrm>
+          <a:prstGeom prst="rect">
+            <a:avLst/>
+          </a:prstGeom>
+        </p:spPr>
+      </p:pic>
+    </p:spTree>
+  </p:cSld>
+  <p:clrMapOvr>
+    <a:masterClrMapping/>
+  </p:clrMapOvr>
+</p:sld>
+</file>
+
+<file path=ppt/slides/slide6.xml><?xml version="1.0" encoding="utf-8"?>
+<p:sld xmlns:a="http://schemas.openxmlformats.org/drawingml/2006/main" xmlns:r="http://schemas.openxmlformats.org/officeDocument/2006/relationships" xmlns:p="http://schemas.openxmlformats.org/presentationml/2006/main">
+  <p:cSld>
+    <p:spTree>
+      <p:nvGrpSpPr>
+        <p:cNvPr id="1" name=""/>
+        <p:cNvGrpSpPr/>
+        <p:nvPr/>
+      </p:nvGrpSpPr>
+      <p:grpSpPr>
+        <a:xfrm>
+          <a:off x="0" y="0"/>
+          <a:ext cx="0" cy="0"/>
+          <a:chOff x="0" y="0"/>
+          <a:chExt cx="0" cy="0"/>
+        </a:xfrm>
+      </p:grpSpPr>
       <p:graphicFrame xmlns:a="http://schemas.openxmlformats.org/drawingml/2006/main" xmlns:r="http://schemas.openxmlformats.org/officeDocument/2006/relationships" xmlns:p="http://schemas.openxmlformats.org/presentationml/2006/main">
         <p:nvGraphicFramePr>
           <p:cNvPr id="2" name="Content Placeholder 2"/>
@@ -2497,7 +2497,7 @@
                 <a:gridCol w="1645920"/>
                 <a:gridCol w="1645920"/>
               </a:tblGrid>
-              <a:tr h="905192">
+              <a:tr h="452596">
                 <a:tc>
                   <a:txBody>
                     <a:bodyPr/>
@@ -2559,7 +2559,7 @@
                   </a:txBody>
                 </a:tc>
               </a:tr>
-              <a:tr h="905192">
+              <a:tr h="452596">
                 <a:tc>
                   <a:txBody>
                     <a:bodyPr/>
@@ -2591,7 +2591,7 @@
                     <a:p>
                       <a:pPr algn="r"/>
                       <a:r>
-                        <a:t>160</a:t>
+                        <a:t>160.0</a:t>
                       </a:r>
                     </a:p>
                   </a:txBody>
@@ -2621,7 +2621,7 @@
                   </a:txBody>
                 </a:tc>
               </a:tr>
-              <a:tr h="905192">
+              <a:tr h="452596">
                 <a:tc>
                   <a:txBody>
                     <a:bodyPr/>
@@ -2653,7 +2653,7 @@
                     <a:p>
                       <a:pPr algn="r"/>
                       <a:r>
-                        <a:t>160</a:t>
+                        <a:t>160.0</a:t>
                       </a:r>
                     </a:p>
                   </a:txBody>
@@ -2683,7 +2683,7 @@
                   </a:txBody>
                 </a:tc>
               </a:tr>
-              <a:tr h="905192">
+              <a:tr h="452596">
                 <a:tc>
                   <a:txBody>
                     <a:bodyPr/>
@@ -2715,7 +2715,7 @@
                     <a:p>
                       <a:pPr algn="r"/>
                       <a:r>
-                        <a:t>108</a:t>
+                        <a:t>108.0</a:t>
                       </a:r>
                     </a:p>
                   </a:txBody>
@@ -2745,7 +2745,7 @@
                   </a:txBody>
                 </a:tc>
               </a:tr>
-              <a:tr h="905192">
+              <a:tr h="452596">
                 <a:tc>
                   <a:txBody>
                     <a:bodyPr/>
@@ -2777,7 +2777,7 @@
                     <a:p>
                       <a:pPr algn="r"/>
                       <a:r>
-                        <a:t>258</a:t>
+                        <a:t>258.0</a:t>
                       </a:r>
                     </a:p>
                   </a:txBody>
@@ -2807,7 +2807,7 @@
                   </a:txBody>
                 </a:tc>
               </a:tr>
-              <a:tr h="905192">
+              <a:tr h="452596">
                 <a:tc>
                   <a:txBody>
                     <a:bodyPr/>
@@ -2839,7 +2839,7 @@
                     <a:p>
                       <a:pPr algn="r"/>
                       <a:r>
-                        <a:t>360</a:t>
+                        <a:t>360.0</a:t>
                       </a:r>
                     </a:p>
                   </a:txBody>
@@ -2869,10 +2869,3720 @@
                   </a:txBody>
                 </a:tc>
               </a:tr>
+              <a:tr h="452596">
+                <a:tc>
+                  <a:txBody>
+                    <a:bodyPr/>
+                    <a:lstStyle/>
+                    <a:p>
+                      <a:pPr algn="r"/>
+                      <a:r>
+                        <a:t>18.1</a:t>
+                      </a:r>
+                    </a:p>
+                  </a:txBody>
+                </a:tc>
+                <a:tc>
+                  <a:txBody>
+                    <a:bodyPr/>
+                    <a:lstStyle/>
+                    <a:p>
+                      <a:pPr algn="r"/>
+                      <a:r>
+                        <a:t>6</a:t>
+                      </a:r>
+                    </a:p>
+                  </a:txBody>
+                </a:tc>
+                <a:tc>
+                  <a:txBody>
+                    <a:bodyPr/>
+                    <a:lstStyle/>
+                    <a:p>
+                      <a:pPr algn="r"/>
+                      <a:r>
+                        <a:t>225.0</a:t>
+                      </a:r>
+                    </a:p>
+                  </a:txBody>
+                </a:tc>
+                <a:tc>
+                  <a:txBody>
+                    <a:bodyPr/>
+                    <a:lstStyle/>
+                    <a:p>
+                      <a:pPr algn="r"/>
+                      <a:r>
+                        <a:t>105</a:t>
+                      </a:r>
+                    </a:p>
+                  </a:txBody>
+                </a:tc>
+                <a:tc>
+                  <a:txBody>
+                    <a:bodyPr/>
+                    <a:lstStyle/>
+                    <a:p>
+                      <a:pPr algn="r"/>
+                      <a:r>
+                        <a:t>2.76</a:t>
+                      </a:r>
+                    </a:p>
+                  </a:txBody>
+                </a:tc>
+              </a:tr>
+              <a:tr h="452596">
+                <a:tc>
+                  <a:txBody>
+                    <a:bodyPr/>
+                    <a:lstStyle/>
+                    <a:p>
+                      <a:pPr algn="r"/>
+                      <a:r>
+                        <a:t>14.3</a:t>
+                      </a:r>
+                    </a:p>
+                  </a:txBody>
+                </a:tc>
+                <a:tc>
+                  <a:txBody>
+                    <a:bodyPr/>
+                    <a:lstStyle/>
+                    <a:p>
+                      <a:pPr algn="r"/>
+                      <a:r>
+                        <a:t>8</a:t>
+                      </a:r>
+                    </a:p>
+                  </a:txBody>
+                </a:tc>
+                <a:tc>
+                  <a:txBody>
+                    <a:bodyPr/>
+                    <a:lstStyle/>
+                    <a:p>
+                      <a:pPr algn="r"/>
+                      <a:r>
+                        <a:t>360.0</a:t>
+                      </a:r>
+                    </a:p>
+                  </a:txBody>
+                </a:tc>
+                <a:tc>
+                  <a:txBody>
+                    <a:bodyPr/>
+                    <a:lstStyle/>
+                    <a:p>
+                      <a:pPr algn="r"/>
+                      <a:r>
+                        <a:t>245</a:t>
+                      </a:r>
+                    </a:p>
+                  </a:txBody>
+                </a:tc>
+                <a:tc>
+                  <a:txBody>
+                    <a:bodyPr/>
+                    <a:lstStyle/>
+                    <a:p>
+                      <a:pPr algn="r"/>
+                      <a:r>
+                        <a:t>3.21</a:t>
+                      </a:r>
+                    </a:p>
+                  </a:txBody>
+                </a:tc>
+              </a:tr>
+              <a:tr h="452596">
+                <a:tc>
+                  <a:txBody>
+                    <a:bodyPr/>
+                    <a:lstStyle/>
+                    <a:p>
+                      <a:pPr algn="r"/>
+                      <a:r>
+                        <a:t>24.4</a:t>
+                      </a:r>
+                    </a:p>
+                  </a:txBody>
+                </a:tc>
+                <a:tc>
+                  <a:txBody>
+                    <a:bodyPr/>
+                    <a:lstStyle/>
+                    <a:p>
+                      <a:pPr algn="r"/>
+                      <a:r>
+                        <a:t>4</a:t>
+                      </a:r>
+                    </a:p>
+                  </a:txBody>
+                </a:tc>
+                <a:tc>
+                  <a:txBody>
+                    <a:bodyPr/>
+                    <a:lstStyle/>
+                    <a:p>
+                      <a:pPr algn="r"/>
+                      <a:r>
+                        <a:t>146.7</a:t>
+                      </a:r>
+                    </a:p>
+                  </a:txBody>
+                </a:tc>
+                <a:tc>
+                  <a:txBody>
+                    <a:bodyPr/>
+                    <a:lstStyle/>
+                    <a:p>
+                      <a:pPr algn="r"/>
+                      <a:r>
+                        <a:t>62</a:t>
+                      </a:r>
+                    </a:p>
+                  </a:txBody>
+                </a:tc>
+                <a:tc>
+                  <a:txBody>
+                    <a:bodyPr/>
+                    <a:lstStyle/>
+                    <a:p>
+                      <a:pPr algn="r"/>
+                      <a:r>
+                        <a:t>3.69</a:t>
+                      </a:r>
+                    </a:p>
+                  </a:txBody>
+                </a:tc>
+              </a:tr>
+              <a:tr h="452596">
+                <a:tc>
+                  <a:txBody>
+                    <a:bodyPr/>
+                    <a:lstStyle/>
+                    <a:p>
+                      <a:pPr algn="r"/>
+                      <a:r>
+                        <a:t>22.8</a:t>
+                      </a:r>
+                    </a:p>
+                  </a:txBody>
+                </a:tc>
+                <a:tc>
+                  <a:txBody>
+                    <a:bodyPr/>
+                    <a:lstStyle/>
+                    <a:p>
+                      <a:pPr algn="r"/>
+                      <a:r>
+                        <a:t>4</a:t>
+                      </a:r>
+                    </a:p>
+                  </a:txBody>
+                </a:tc>
+                <a:tc>
+                  <a:txBody>
+                    <a:bodyPr/>
+                    <a:lstStyle/>
+                    <a:p>
+                      <a:pPr algn="r"/>
+                      <a:r>
+                        <a:t>140.8</a:t>
+                      </a:r>
+                    </a:p>
+                  </a:txBody>
+                </a:tc>
+                <a:tc>
+                  <a:txBody>
+                    <a:bodyPr/>
+                    <a:lstStyle/>
+                    <a:p>
+                      <a:pPr algn="r"/>
+                      <a:r>
+                        <a:t>95</a:t>
+                      </a:r>
+                    </a:p>
+                  </a:txBody>
+                </a:tc>
+                <a:tc>
+                  <a:txBody>
+                    <a:bodyPr/>
+                    <a:lstStyle/>
+                    <a:p>
+                      <a:pPr algn="r"/>
+                      <a:r>
+                        <a:t>3.92</a:t>
+                      </a:r>
+                    </a:p>
+                  </a:txBody>
+                </a:tc>
+              </a:tr>
+              <a:tr h="452596">
+                <a:tc>
+                  <a:txBody>
+                    <a:bodyPr/>
+                    <a:lstStyle/>
+                    <a:p>
+                      <a:pPr algn="r"/>
+                      <a:r>
+                        <a:t>19.2</a:t>
+                      </a:r>
+                    </a:p>
+                  </a:txBody>
+                </a:tc>
+                <a:tc>
+                  <a:txBody>
+                    <a:bodyPr/>
+                    <a:lstStyle/>
+                    <a:p>
+                      <a:pPr algn="r"/>
+                      <a:r>
+                        <a:t>6</a:t>
+                      </a:r>
+                    </a:p>
+                  </a:txBody>
+                </a:tc>
+                <a:tc>
+                  <a:txBody>
+                    <a:bodyPr/>
+                    <a:lstStyle/>
+                    <a:p>
+                      <a:pPr algn="r"/>
+                      <a:r>
+                        <a:t>167.6</a:t>
+                      </a:r>
+                    </a:p>
+                  </a:txBody>
+                </a:tc>
+                <a:tc>
+                  <a:txBody>
+                    <a:bodyPr/>
+                    <a:lstStyle/>
+                    <a:p>
+                      <a:pPr algn="r"/>
+                      <a:r>
+                        <a:t>123</a:t>
+                      </a:r>
+                    </a:p>
+                  </a:txBody>
+                </a:tc>
+                <a:tc>
+                  <a:txBody>
+                    <a:bodyPr/>
+                    <a:lstStyle/>
+                    <a:p>
+                      <a:pPr algn="r"/>
+                      <a:r>
+                        <a:t>3.92</a:t>
+                      </a:r>
+                    </a:p>
+                  </a:txBody>
+                </a:tc>
+              </a:tr>
             </a:tbl>
           </a:graphicData>
         </a:graphic>
       </p:graphicFrame>
+    </p:spTree>
+  </p:cSld>
+  <p:clrMapOvr>
+    <a:masterClrMapping/>
+  </p:clrMapOvr>
+</p:sld>
+</file>
+
+<file path=ppt/slides/slide7.xml><?xml version="1.0" encoding="utf-8"?>
+<p:sld xmlns:a="http://schemas.openxmlformats.org/drawingml/2006/main" xmlns:r="http://schemas.openxmlformats.org/officeDocument/2006/relationships" xmlns:p="http://schemas.openxmlformats.org/presentationml/2006/main">
+  <p:cSld>
+    <p:spTree>
+      <p:nvGrpSpPr>
+        <p:cNvPr id="1" name=""/>
+        <p:cNvGrpSpPr/>
+        <p:nvPr/>
+      </p:nvGrpSpPr>
+      <p:grpSpPr>
+        <a:xfrm>
+          <a:off x="0" y="0"/>
+          <a:ext cx="0" cy="0"/>
+          <a:chOff x="0" y="0"/>
+          <a:chExt cx="0" cy="0"/>
+        </a:xfrm>
+      </p:grpSpPr>
+      <p:grpSp xmlns:a="http://schemas.openxmlformats.org/drawingml/2006/main" xmlns:r="http://schemas.openxmlformats.org/officeDocument/2006/relationships" xmlns:p="http://schemas.openxmlformats.org/presentationml/2006/main" xmlns:pic="http://schemas.openxmlformats.org/drawingml/2006/picture">
+        <p:nvGrpSpPr>
+          <p:cNvPr id="2" name=""/>
+          <p:cNvGrpSpPr/>
+          <p:nvPr/>
+        </p:nvGrpSpPr>
+        <p:grpSpPr>
+          <a:xfrm>
+            <a:off x="0" y="0"/>
+            <a:ext cx="9144000" cy="6858000"/>
+            <a:chOff x="0" y="0"/>
+            <a:chExt cx="9144000" cy="6858000"/>
+          </a:xfrm>
+        </p:grpSpPr>
+        <p:sp>
+          <p:nvSpPr>
+            <p:cNvPr id="3" name="rc3"/>
+            <p:cNvSpPr/>
+            <p:nvPr/>
+          </p:nvSpPr>
+          <p:spPr>
+            <a:xfrm>
+              <a:off x="0" y="0"/>
+              <a:ext cx="9144000" cy="6858000"/>
+            </a:xfrm>
+            <a:prstGeom prst="rect">
+              <a:avLst/>
+            </a:prstGeom>
+            <a:solidFill>
+              <a:srgbClr val="FFFFFF">
+                <a:alpha val="100000"/>
+              </a:srgbClr>
+            </a:solidFill>
+            <a:ln w="9525" cap="rnd">
+              <a:solidFill>
+                <a:srgbClr val="FFFFFF">
+                  <a:alpha val="100000"/>
+                </a:srgbClr>
+              </a:solidFill>
+              <a:prstDash val="solid"/>
+              <a:round/>
+            </a:ln>
+          </p:spPr>
+          <p:txBody>
+            <a:bodyPr/>
+            <a:lstStyle/>
+            <a:p/>
+          </p:txBody>
+        </p:sp>
+        <p:sp>
+          <p:nvSpPr>
+            <p:cNvPr id="4" name="rc4"/>
+            <p:cNvSpPr/>
+            <p:nvPr/>
+          </p:nvSpPr>
+          <p:spPr>
+            <a:xfrm>
+              <a:off x="0" y="0"/>
+              <a:ext cx="9144000" cy="6858000"/>
+            </a:xfrm>
+            <a:prstGeom prst="rect">
+              <a:avLst/>
+            </a:prstGeom>
+            <a:solidFill>
+              <a:srgbClr val="FFFFFF">
+                <a:alpha val="100000"/>
+              </a:srgbClr>
+            </a:solidFill>
+            <a:ln w="13550" cap="rnd">
+              <a:solidFill>
+                <a:srgbClr val="FFFFFF">
+                  <a:alpha val="100000"/>
+                </a:srgbClr>
+              </a:solidFill>
+              <a:prstDash val="solid"/>
+              <a:round/>
+            </a:ln>
+          </p:spPr>
+          <p:txBody>
+            <a:bodyPr/>
+            <a:lstStyle/>
+            <a:p/>
+          </p:txBody>
+        </p:sp>
+        <p:sp>
+          <p:nvSpPr>
+            <p:cNvPr id="5" name="rc5"/>
+            <p:cNvSpPr/>
+            <p:nvPr/>
+          </p:nvSpPr>
+          <p:spPr>
+            <a:xfrm>
+              <a:off x="422448" y="296539"/>
+              <a:ext cx="7488408" cy="6158306"/>
+            </a:xfrm>
+            <a:prstGeom prst="rect">
+              <a:avLst/>
+            </a:prstGeom>
+            <a:solidFill>
+              <a:srgbClr val="EBEBEB">
+                <a:alpha val="100000"/>
+              </a:srgbClr>
+            </a:solidFill>
+          </p:spPr>
+          <p:txBody>
+            <a:bodyPr/>
+            <a:lstStyle/>
+            <a:p/>
+          </p:txBody>
+        </p:sp>
+        <p:sp>
+          <p:nvSpPr>
+            <p:cNvPr id="6" name="pl6"/>
+            <p:cNvSpPr/>
+            <p:nvPr/>
+          </p:nvSpPr>
+          <p:spPr>
+            <a:xfrm>
+              <a:off x="422448" y="5674634"/>
+              <a:ext cx="7488408" cy="0"/>
+            </a:xfrm>
+            <a:custGeom>
+              <a:avLst/>
+              <a:pathLst>
+                <a:path w="7488408" h="0">
+                  <a:moveTo>
+                    <a:pt x="0" y="0"/>
+                  </a:moveTo>
+                  <a:lnTo>
+                    <a:pt x="7488408" y="0"/>
+                  </a:lnTo>
+                  <a:lnTo>
+                    <a:pt x="7488408" y="0"/>
+                  </a:lnTo>
+                </a:path>
+              </a:pathLst>
+            </a:custGeom>
+            <a:ln w="6775" cap="flat">
+              <a:solidFill>
+                <a:srgbClr val="FFFFFF">
+                  <a:alpha val="100000"/>
+                </a:srgbClr>
+              </a:solidFill>
+              <a:prstDash val="solid"/>
+              <a:round/>
+            </a:ln>
+          </p:spPr>
+          <p:txBody>
+            <a:bodyPr/>
+            <a:lstStyle/>
+            <a:p/>
+          </p:txBody>
+        </p:sp>
+        <p:sp>
+          <p:nvSpPr>
+            <p:cNvPr id="7" name="pl7"/>
+            <p:cNvSpPr/>
+            <p:nvPr/>
+          </p:nvSpPr>
+          <p:spPr>
+            <a:xfrm>
+              <a:off x="422448" y="4483472"/>
+              <a:ext cx="7488408" cy="0"/>
+            </a:xfrm>
+            <a:custGeom>
+              <a:avLst/>
+              <a:pathLst>
+                <a:path w="7488408" h="0">
+                  <a:moveTo>
+                    <a:pt x="0" y="0"/>
+                  </a:moveTo>
+                  <a:lnTo>
+                    <a:pt x="7488408" y="0"/>
+                  </a:lnTo>
+                  <a:lnTo>
+                    <a:pt x="7488408" y="0"/>
+                  </a:lnTo>
+                </a:path>
+              </a:pathLst>
+            </a:custGeom>
+            <a:ln w="6775" cap="flat">
+              <a:solidFill>
+                <a:srgbClr val="FFFFFF">
+                  <a:alpha val="100000"/>
+                </a:srgbClr>
+              </a:solidFill>
+              <a:prstDash val="solid"/>
+              <a:round/>
+            </a:ln>
+          </p:spPr>
+          <p:txBody>
+            <a:bodyPr/>
+            <a:lstStyle/>
+            <a:p/>
+          </p:txBody>
+        </p:sp>
+        <p:sp>
+          <p:nvSpPr>
+            <p:cNvPr id="8" name="pl8"/>
+            <p:cNvSpPr/>
+            <p:nvPr/>
+          </p:nvSpPr>
+          <p:spPr>
+            <a:xfrm>
+              <a:off x="422448" y="3292311"/>
+              <a:ext cx="7488408" cy="0"/>
+            </a:xfrm>
+            <a:custGeom>
+              <a:avLst/>
+              <a:pathLst>
+                <a:path w="7488408" h="0">
+                  <a:moveTo>
+                    <a:pt x="0" y="0"/>
+                  </a:moveTo>
+                  <a:lnTo>
+                    <a:pt x="7488408" y="0"/>
+                  </a:lnTo>
+                  <a:lnTo>
+                    <a:pt x="7488408" y="0"/>
+                  </a:lnTo>
+                </a:path>
+              </a:pathLst>
+            </a:custGeom>
+            <a:ln w="6775" cap="flat">
+              <a:solidFill>
+                <a:srgbClr val="FFFFFF">
+                  <a:alpha val="100000"/>
+                </a:srgbClr>
+              </a:solidFill>
+              <a:prstDash val="solid"/>
+              <a:round/>
+            </a:ln>
+          </p:spPr>
+          <p:txBody>
+            <a:bodyPr/>
+            <a:lstStyle/>
+            <a:p/>
+          </p:txBody>
+        </p:sp>
+        <p:sp>
+          <p:nvSpPr>
+            <p:cNvPr id="9" name="pl9"/>
+            <p:cNvSpPr/>
+            <p:nvPr/>
+          </p:nvSpPr>
+          <p:spPr>
+            <a:xfrm>
+              <a:off x="422448" y="2101149"/>
+              <a:ext cx="7488408" cy="0"/>
+            </a:xfrm>
+            <a:custGeom>
+              <a:avLst/>
+              <a:pathLst>
+                <a:path w="7488408" h="0">
+                  <a:moveTo>
+                    <a:pt x="0" y="0"/>
+                  </a:moveTo>
+                  <a:lnTo>
+                    <a:pt x="7488408" y="0"/>
+                  </a:lnTo>
+                  <a:lnTo>
+                    <a:pt x="7488408" y="0"/>
+                  </a:lnTo>
+                </a:path>
+              </a:pathLst>
+            </a:custGeom>
+            <a:ln w="6775" cap="flat">
+              <a:solidFill>
+                <a:srgbClr val="FFFFFF">
+                  <a:alpha val="100000"/>
+                </a:srgbClr>
+              </a:solidFill>
+              <a:prstDash val="solid"/>
+              <a:round/>
+            </a:ln>
+          </p:spPr>
+          <p:txBody>
+            <a:bodyPr/>
+            <a:lstStyle/>
+            <a:p/>
+          </p:txBody>
+        </p:sp>
+        <p:sp>
+          <p:nvSpPr>
+            <p:cNvPr id="10" name="pl10"/>
+            <p:cNvSpPr/>
+            <p:nvPr/>
+          </p:nvSpPr>
+          <p:spPr>
+            <a:xfrm>
+              <a:off x="422448" y="909987"/>
+              <a:ext cx="7488408" cy="0"/>
+            </a:xfrm>
+            <a:custGeom>
+              <a:avLst/>
+              <a:pathLst>
+                <a:path w="7488408" h="0">
+                  <a:moveTo>
+                    <a:pt x="0" y="0"/>
+                  </a:moveTo>
+                  <a:lnTo>
+                    <a:pt x="7488408" y="0"/>
+                  </a:lnTo>
+                  <a:lnTo>
+                    <a:pt x="7488408" y="0"/>
+                  </a:lnTo>
+                </a:path>
+              </a:pathLst>
+            </a:custGeom>
+            <a:ln w="6775" cap="flat">
+              <a:solidFill>
+                <a:srgbClr val="FFFFFF">
+                  <a:alpha val="100000"/>
+                </a:srgbClr>
+              </a:solidFill>
+              <a:prstDash val="solid"/>
+              <a:round/>
+            </a:ln>
+          </p:spPr>
+          <p:txBody>
+            <a:bodyPr/>
+            <a:lstStyle/>
+            <a:p/>
+          </p:txBody>
+        </p:sp>
+        <p:sp>
+          <p:nvSpPr>
+            <p:cNvPr id="11" name="pl11"/>
+            <p:cNvSpPr/>
+            <p:nvPr/>
+          </p:nvSpPr>
+          <p:spPr>
+            <a:xfrm>
+              <a:off x="740201" y="296539"/>
+              <a:ext cx="0" cy="6158306"/>
+            </a:xfrm>
+            <a:custGeom>
+              <a:avLst/>
+              <a:pathLst>
+                <a:path w="0" h="6158306">
+                  <a:moveTo>
+                    <a:pt x="0" y="6158306"/>
+                  </a:moveTo>
+                  <a:lnTo>
+                    <a:pt x="0" y="0"/>
+                  </a:lnTo>
+                  <a:lnTo>
+                    <a:pt x="0" y="0"/>
+                  </a:lnTo>
+                </a:path>
+              </a:pathLst>
+            </a:custGeom>
+            <a:ln w="6775" cap="flat">
+              <a:solidFill>
+                <a:srgbClr val="FFFFFF">
+                  <a:alpha val="100000"/>
+                </a:srgbClr>
+              </a:solidFill>
+              <a:prstDash val="solid"/>
+              <a:round/>
+            </a:ln>
+          </p:spPr>
+          <p:txBody>
+            <a:bodyPr/>
+            <a:lstStyle/>
+            <a:p/>
+          </p:txBody>
+        </p:sp>
+        <p:sp>
+          <p:nvSpPr>
+            <p:cNvPr id="12" name="pl12"/>
+            <p:cNvSpPr/>
+            <p:nvPr/>
+          </p:nvSpPr>
+          <p:spPr>
+            <a:xfrm>
+              <a:off x="2480842" y="296539"/>
+              <a:ext cx="0" cy="6158306"/>
+            </a:xfrm>
+            <a:custGeom>
+              <a:avLst/>
+              <a:pathLst>
+                <a:path w="0" h="6158306">
+                  <a:moveTo>
+                    <a:pt x="0" y="6158306"/>
+                  </a:moveTo>
+                  <a:lnTo>
+                    <a:pt x="0" y="0"/>
+                  </a:lnTo>
+                  <a:lnTo>
+                    <a:pt x="0" y="0"/>
+                  </a:lnTo>
+                </a:path>
+              </a:pathLst>
+            </a:custGeom>
+            <a:ln w="6775" cap="flat">
+              <a:solidFill>
+                <a:srgbClr val="FFFFFF">
+                  <a:alpha val="100000"/>
+                </a:srgbClr>
+              </a:solidFill>
+              <a:prstDash val="solid"/>
+              <a:round/>
+            </a:ln>
+          </p:spPr>
+          <p:txBody>
+            <a:bodyPr/>
+            <a:lstStyle/>
+            <a:p/>
+          </p:txBody>
+        </p:sp>
+        <p:sp>
+          <p:nvSpPr>
+            <p:cNvPr id="13" name="pl13"/>
+            <p:cNvSpPr/>
+            <p:nvPr/>
+          </p:nvSpPr>
+          <p:spPr>
+            <a:xfrm>
+              <a:off x="4221482" y="296539"/>
+              <a:ext cx="0" cy="6158306"/>
+            </a:xfrm>
+            <a:custGeom>
+              <a:avLst/>
+              <a:pathLst>
+                <a:path w="0" h="6158306">
+                  <a:moveTo>
+                    <a:pt x="0" y="6158306"/>
+                  </a:moveTo>
+                  <a:lnTo>
+                    <a:pt x="0" y="0"/>
+                  </a:lnTo>
+                  <a:lnTo>
+                    <a:pt x="0" y="0"/>
+                  </a:lnTo>
+                </a:path>
+              </a:pathLst>
+            </a:custGeom>
+            <a:ln w="6775" cap="flat">
+              <a:solidFill>
+                <a:srgbClr val="FFFFFF">
+                  <a:alpha val="100000"/>
+                </a:srgbClr>
+              </a:solidFill>
+              <a:prstDash val="solid"/>
+              <a:round/>
+            </a:ln>
+          </p:spPr>
+          <p:txBody>
+            <a:bodyPr/>
+            <a:lstStyle/>
+            <a:p/>
+          </p:txBody>
+        </p:sp>
+        <p:sp>
+          <p:nvSpPr>
+            <p:cNvPr id="14" name="pl14"/>
+            <p:cNvSpPr/>
+            <p:nvPr/>
+          </p:nvSpPr>
+          <p:spPr>
+            <a:xfrm>
+              <a:off x="5962122" y="296539"/>
+              <a:ext cx="0" cy="6158306"/>
+            </a:xfrm>
+            <a:custGeom>
+              <a:avLst/>
+              <a:pathLst>
+                <a:path w="0" h="6158306">
+                  <a:moveTo>
+                    <a:pt x="0" y="6158306"/>
+                  </a:moveTo>
+                  <a:lnTo>
+                    <a:pt x="0" y="0"/>
+                  </a:lnTo>
+                  <a:lnTo>
+                    <a:pt x="0" y="0"/>
+                  </a:lnTo>
+                </a:path>
+              </a:pathLst>
+            </a:custGeom>
+            <a:ln w="6775" cap="flat">
+              <a:solidFill>
+                <a:srgbClr val="FFFFFF">
+                  <a:alpha val="100000"/>
+                </a:srgbClr>
+              </a:solidFill>
+              <a:prstDash val="solid"/>
+              <a:round/>
+            </a:ln>
+          </p:spPr>
+          <p:txBody>
+            <a:bodyPr/>
+            <a:lstStyle/>
+            <a:p/>
+          </p:txBody>
+        </p:sp>
+        <p:sp>
+          <p:nvSpPr>
+            <p:cNvPr id="15" name="pl15"/>
+            <p:cNvSpPr/>
+            <p:nvPr/>
+          </p:nvSpPr>
+          <p:spPr>
+            <a:xfrm>
+              <a:off x="7702762" y="296539"/>
+              <a:ext cx="0" cy="6158306"/>
+            </a:xfrm>
+            <a:custGeom>
+              <a:avLst/>
+              <a:pathLst>
+                <a:path w="0" h="6158306">
+                  <a:moveTo>
+                    <a:pt x="0" y="6158306"/>
+                  </a:moveTo>
+                  <a:lnTo>
+                    <a:pt x="0" y="0"/>
+                  </a:lnTo>
+                  <a:lnTo>
+                    <a:pt x="0" y="0"/>
+                  </a:lnTo>
+                </a:path>
+              </a:pathLst>
+            </a:custGeom>
+            <a:ln w="6775" cap="flat">
+              <a:solidFill>
+                <a:srgbClr val="FFFFFF">
+                  <a:alpha val="100000"/>
+                </a:srgbClr>
+              </a:solidFill>
+              <a:prstDash val="solid"/>
+              <a:round/>
+            </a:ln>
+          </p:spPr>
+          <p:txBody>
+            <a:bodyPr/>
+            <a:lstStyle/>
+            <a:p/>
+          </p:txBody>
+        </p:sp>
+        <p:sp>
+          <p:nvSpPr>
+            <p:cNvPr id="16" name="pl16"/>
+            <p:cNvSpPr/>
+            <p:nvPr/>
+          </p:nvSpPr>
+          <p:spPr>
+            <a:xfrm>
+              <a:off x="422448" y="6270215"/>
+              <a:ext cx="7488408" cy="0"/>
+            </a:xfrm>
+            <a:custGeom>
+              <a:avLst/>
+              <a:pathLst>
+                <a:path w="7488408" h="0">
+                  <a:moveTo>
+                    <a:pt x="0" y="0"/>
+                  </a:moveTo>
+                  <a:lnTo>
+                    <a:pt x="7488408" y="0"/>
+                  </a:lnTo>
+                  <a:lnTo>
+                    <a:pt x="7488408" y="0"/>
+                  </a:lnTo>
+                </a:path>
+              </a:pathLst>
+            </a:custGeom>
+            <a:ln w="13550" cap="flat">
+              <a:solidFill>
+                <a:srgbClr val="FFFFFF">
+                  <a:alpha val="100000"/>
+                </a:srgbClr>
+              </a:solidFill>
+              <a:prstDash val="solid"/>
+              <a:round/>
+            </a:ln>
+          </p:spPr>
+          <p:txBody>
+            <a:bodyPr/>
+            <a:lstStyle/>
+            <a:p/>
+          </p:txBody>
+        </p:sp>
+        <p:sp>
+          <p:nvSpPr>
+            <p:cNvPr id="17" name="pl17"/>
+            <p:cNvSpPr/>
+            <p:nvPr/>
+          </p:nvSpPr>
+          <p:spPr>
+            <a:xfrm>
+              <a:off x="422448" y="5079053"/>
+              <a:ext cx="7488408" cy="0"/>
+            </a:xfrm>
+            <a:custGeom>
+              <a:avLst/>
+              <a:pathLst>
+                <a:path w="7488408" h="0">
+                  <a:moveTo>
+                    <a:pt x="0" y="0"/>
+                  </a:moveTo>
+                  <a:lnTo>
+                    <a:pt x="7488408" y="0"/>
+                  </a:lnTo>
+                  <a:lnTo>
+                    <a:pt x="7488408" y="0"/>
+                  </a:lnTo>
+                </a:path>
+              </a:pathLst>
+            </a:custGeom>
+            <a:ln w="13550" cap="flat">
+              <a:solidFill>
+                <a:srgbClr val="FFFFFF">
+                  <a:alpha val="100000"/>
+                </a:srgbClr>
+              </a:solidFill>
+              <a:prstDash val="solid"/>
+              <a:round/>
+            </a:ln>
+          </p:spPr>
+          <p:txBody>
+            <a:bodyPr/>
+            <a:lstStyle/>
+            <a:p/>
+          </p:txBody>
+        </p:sp>
+        <p:sp>
+          <p:nvSpPr>
+            <p:cNvPr id="18" name="pl18"/>
+            <p:cNvSpPr/>
+            <p:nvPr/>
+          </p:nvSpPr>
+          <p:spPr>
+            <a:xfrm>
+              <a:off x="422448" y="3887891"/>
+              <a:ext cx="7488408" cy="0"/>
+            </a:xfrm>
+            <a:custGeom>
+              <a:avLst/>
+              <a:pathLst>
+                <a:path w="7488408" h="0">
+                  <a:moveTo>
+                    <a:pt x="0" y="0"/>
+                  </a:moveTo>
+                  <a:lnTo>
+                    <a:pt x="7488408" y="0"/>
+                  </a:lnTo>
+                  <a:lnTo>
+                    <a:pt x="7488408" y="0"/>
+                  </a:lnTo>
+                </a:path>
+              </a:pathLst>
+            </a:custGeom>
+            <a:ln w="13550" cap="flat">
+              <a:solidFill>
+                <a:srgbClr val="FFFFFF">
+                  <a:alpha val="100000"/>
+                </a:srgbClr>
+              </a:solidFill>
+              <a:prstDash val="solid"/>
+              <a:round/>
+            </a:ln>
+          </p:spPr>
+          <p:txBody>
+            <a:bodyPr/>
+            <a:lstStyle/>
+            <a:p/>
+          </p:txBody>
+        </p:sp>
+        <p:sp>
+          <p:nvSpPr>
+            <p:cNvPr id="19" name="pl19"/>
+            <p:cNvSpPr/>
+            <p:nvPr/>
+          </p:nvSpPr>
+          <p:spPr>
+            <a:xfrm>
+              <a:off x="422448" y="2696730"/>
+              <a:ext cx="7488408" cy="0"/>
+            </a:xfrm>
+            <a:custGeom>
+              <a:avLst/>
+              <a:pathLst>
+                <a:path w="7488408" h="0">
+                  <a:moveTo>
+                    <a:pt x="0" y="0"/>
+                  </a:moveTo>
+                  <a:lnTo>
+                    <a:pt x="7488408" y="0"/>
+                  </a:lnTo>
+                  <a:lnTo>
+                    <a:pt x="7488408" y="0"/>
+                  </a:lnTo>
+                </a:path>
+              </a:pathLst>
+            </a:custGeom>
+            <a:ln w="13550" cap="flat">
+              <a:solidFill>
+                <a:srgbClr val="FFFFFF">
+                  <a:alpha val="100000"/>
+                </a:srgbClr>
+              </a:solidFill>
+              <a:prstDash val="solid"/>
+              <a:round/>
+            </a:ln>
+          </p:spPr>
+          <p:txBody>
+            <a:bodyPr/>
+            <a:lstStyle/>
+            <a:p/>
+          </p:txBody>
+        </p:sp>
+        <p:sp>
+          <p:nvSpPr>
+            <p:cNvPr id="20" name="pl20"/>
+            <p:cNvSpPr/>
+            <p:nvPr/>
+          </p:nvSpPr>
+          <p:spPr>
+            <a:xfrm>
+              <a:off x="422448" y="1505568"/>
+              <a:ext cx="7488408" cy="0"/>
+            </a:xfrm>
+            <a:custGeom>
+              <a:avLst/>
+              <a:pathLst>
+                <a:path w="7488408" h="0">
+                  <a:moveTo>
+                    <a:pt x="0" y="0"/>
+                  </a:moveTo>
+                  <a:lnTo>
+                    <a:pt x="7488408" y="0"/>
+                  </a:lnTo>
+                  <a:lnTo>
+                    <a:pt x="7488408" y="0"/>
+                  </a:lnTo>
+                </a:path>
+              </a:pathLst>
+            </a:custGeom>
+            <a:ln w="13550" cap="flat">
+              <a:solidFill>
+                <a:srgbClr val="FFFFFF">
+                  <a:alpha val="100000"/>
+                </a:srgbClr>
+              </a:solidFill>
+              <a:prstDash val="solid"/>
+              <a:round/>
+            </a:ln>
+          </p:spPr>
+          <p:txBody>
+            <a:bodyPr/>
+            <a:lstStyle/>
+            <a:p/>
+          </p:txBody>
+        </p:sp>
+        <p:sp>
+          <p:nvSpPr>
+            <p:cNvPr id="21" name="pl21"/>
+            <p:cNvSpPr/>
+            <p:nvPr/>
+          </p:nvSpPr>
+          <p:spPr>
+            <a:xfrm>
+              <a:off x="422448" y="314406"/>
+              <a:ext cx="7488408" cy="0"/>
+            </a:xfrm>
+            <a:custGeom>
+              <a:avLst/>
+              <a:pathLst>
+                <a:path w="7488408" h="0">
+                  <a:moveTo>
+                    <a:pt x="0" y="0"/>
+                  </a:moveTo>
+                  <a:lnTo>
+                    <a:pt x="7488408" y="0"/>
+                  </a:lnTo>
+                  <a:lnTo>
+                    <a:pt x="7488408" y="0"/>
+                  </a:lnTo>
+                </a:path>
+              </a:pathLst>
+            </a:custGeom>
+            <a:ln w="13550" cap="flat">
+              <a:solidFill>
+                <a:srgbClr val="FFFFFF">
+                  <a:alpha val="100000"/>
+                </a:srgbClr>
+              </a:solidFill>
+              <a:prstDash val="solid"/>
+              <a:round/>
+            </a:ln>
+          </p:spPr>
+          <p:txBody>
+            <a:bodyPr/>
+            <a:lstStyle/>
+            <a:p/>
+          </p:txBody>
+        </p:sp>
+        <p:sp>
+          <p:nvSpPr>
+            <p:cNvPr id="22" name="pl22"/>
+            <p:cNvSpPr/>
+            <p:nvPr/>
+          </p:nvSpPr>
+          <p:spPr>
+            <a:xfrm>
+              <a:off x="1610522" y="296539"/>
+              <a:ext cx="0" cy="6158306"/>
+            </a:xfrm>
+            <a:custGeom>
+              <a:avLst/>
+              <a:pathLst>
+                <a:path w="0" h="6158306">
+                  <a:moveTo>
+                    <a:pt x="0" y="6158306"/>
+                  </a:moveTo>
+                  <a:lnTo>
+                    <a:pt x="0" y="0"/>
+                  </a:lnTo>
+                  <a:lnTo>
+                    <a:pt x="0" y="0"/>
+                  </a:lnTo>
+                </a:path>
+              </a:pathLst>
+            </a:custGeom>
+            <a:ln w="13550" cap="flat">
+              <a:solidFill>
+                <a:srgbClr val="FFFFFF">
+                  <a:alpha val="100000"/>
+                </a:srgbClr>
+              </a:solidFill>
+              <a:prstDash val="solid"/>
+              <a:round/>
+            </a:ln>
+          </p:spPr>
+          <p:txBody>
+            <a:bodyPr/>
+            <a:lstStyle/>
+            <a:p/>
+          </p:txBody>
+        </p:sp>
+        <p:sp>
+          <p:nvSpPr>
+            <p:cNvPr id="23" name="pl23"/>
+            <p:cNvSpPr/>
+            <p:nvPr/>
+          </p:nvSpPr>
+          <p:spPr>
+            <a:xfrm>
+              <a:off x="3351162" y="296539"/>
+              <a:ext cx="0" cy="6158306"/>
+            </a:xfrm>
+            <a:custGeom>
+              <a:avLst/>
+              <a:pathLst>
+                <a:path w="0" h="6158306">
+                  <a:moveTo>
+                    <a:pt x="0" y="6158306"/>
+                  </a:moveTo>
+                  <a:lnTo>
+                    <a:pt x="0" y="0"/>
+                  </a:lnTo>
+                  <a:lnTo>
+                    <a:pt x="0" y="0"/>
+                  </a:lnTo>
+                </a:path>
+              </a:pathLst>
+            </a:custGeom>
+            <a:ln w="13550" cap="flat">
+              <a:solidFill>
+                <a:srgbClr val="FFFFFF">
+                  <a:alpha val="100000"/>
+                </a:srgbClr>
+              </a:solidFill>
+              <a:prstDash val="solid"/>
+              <a:round/>
+            </a:ln>
+          </p:spPr>
+          <p:txBody>
+            <a:bodyPr/>
+            <a:lstStyle/>
+            <a:p/>
+          </p:txBody>
+        </p:sp>
+        <p:sp>
+          <p:nvSpPr>
+            <p:cNvPr id="24" name="pl24"/>
+            <p:cNvSpPr/>
+            <p:nvPr/>
+          </p:nvSpPr>
+          <p:spPr>
+            <a:xfrm>
+              <a:off x="5091802" y="296539"/>
+              <a:ext cx="0" cy="6158306"/>
+            </a:xfrm>
+            <a:custGeom>
+              <a:avLst/>
+              <a:pathLst>
+                <a:path w="0" h="6158306">
+                  <a:moveTo>
+                    <a:pt x="0" y="6158306"/>
+                  </a:moveTo>
+                  <a:lnTo>
+                    <a:pt x="0" y="0"/>
+                  </a:lnTo>
+                  <a:lnTo>
+                    <a:pt x="0" y="0"/>
+                  </a:lnTo>
+                </a:path>
+              </a:pathLst>
+            </a:custGeom>
+            <a:ln w="13550" cap="flat">
+              <a:solidFill>
+                <a:srgbClr val="FFFFFF">
+                  <a:alpha val="100000"/>
+                </a:srgbClr>
+              </a:solidFill>
+              <a:prstDash val="solid"/>
+              <a:round/>
+            </a:ln>
+          </p:spPr>
+          <p:txBody>
+            <a:bodyPr/>
+            <a:lstStyle/>
+            <a:p/>
+          </p:txBody>
+        </p:sp>
+        <p:sp>
+          <p:nvSpPr>
+            <p:cNvPr id="25" name="pl25"/>
+            <p:cNvSpPr/>
+            <p:nvPr/>
+          </p:nvSpPr>
+          <p:spPr>
+            <a:xfrm>
+              <a:off x="6832442" y="296539"/>
+              <a:ext cx="0" cy="6158306"/>
+            </a:xfrm>
+            <a:custGeom>
+              <a:avLst/>
+              <a:pathLst>
+                <a:path w="0" h="6158306">
+                  <a:moveTo>
+                    <a:pt x="0" y="6158306"/>
+                  </a:moveTo>
+                  <a:lnTo>
+                    <a:pt x="0" y="0"/>
+                  </a:lnTo>
+                  <a:lnTo>
+                    <a:pt x="0" y="0"/>
+                  </a:lnTo>
+                </a:path>
+              </a:pathLst>
+            </a:custGeom>
+            <a:ln w="13550" cap="flat">
+              <a:solidFill>
+                <a:srgbClr val="FFFFFF">
+                  <a:alpha val="100000"/>
+                </a:srgbClr>
+              </a:solidFill>
+              <a:prstDash val="solid"/>
+              <a:round/>
+            </a:ln>
+          </p:spPr>
+          <p:txBody>
+            <a:bodyPr/>
+            <a:lstStyle/>
+            <a:p/>
+          </p:txBody>
+        </p:sp>
+        <p:sp>
+          <p:nvSpPr>
+            <p:cNvPr id="26" name="pt26"/>
+            <p:cNvSpPr/>
+            <p:nvPr/>
+          </p:nvSpPr>
+          <p:spPr>
+            <a:xfrm>
+              <a:off x="2664893" y="3624833"/>
+              <a:ext cx="49651" cy="49651"/>
+            </a:xfrm>
+            <a:prstGeom prst="ellipse">
+              <a:avLst/>
+            </a:prstGeom>
+            <a:solidFill>
+              <a:srgbClr val="377EB8">
+                <a:alpha val="100000"/>
+              </a:srgbClr>
+            </a:solidFill>
+            <a:ln w="9000" cap="rnd">
+              <a:solidFill>
+                <a:srgbClr val="377EB8">
+                  <a:alpha val="100000"/>
+                </a:srgbClr>
+              </a:solidFill>
+              <a:prstDash val="solid"/>
+              <a:round/>
+            </a:ln>
+          </p:spPr>
+          <p:txBody>
+            <a:bodyPr/>
+            <a:lstStyle/>
+            <a:p/>
+          </p:txBody>
+        </p:sp>
+        <p:sp>
+          <p:nvSpPr>
+            <p:cNvPr id="27" name="pt27"/>
+            <p:cNvSpPr/>
+            <p:nvPr/>
+          </p:nvSpPr>
+          <p:spPr>
+            <a:xfrm>
+              <a:off x="3108756" y="3624833"/>
+              <a:ext cx="49651" cy="49651"/>
+            </a:xfrm>
+            <a:prstGeom prst="ellipse">
+              <a:avLst/>
+            </a:prstGeom>
+            <a:solidFill>
+              <a:srgbClr val="377EB8">
+                <a:alpha val="100000"/>
+              </a:srgbClr>
+            </a:solidFill>
+            <a:ln w="9000" cap="rnd">
+              <a:solidFill>
+                <a:srgbClr val="377EB8">
+                  <a:alpha val="100000"/>
+                </a:srgbClr>
+              </a:solidFill>
+              <a:prstDash val="solid"/>
+              <a:round/>
+            </a:ln>
+          </p:spPr>
+          <p:txBody>
+            <a:bodyPr/>
+            <a:lstStyle/>
+            <a:p/>
+          </p:txBody>
+        </p:sp>
+        <p:sp>
+          <p:nvSpPr>
+            <p:cNvPr id="28" name="pt28"/>
+            <p:cNvSpPr/>
+            <p:nvPr/>
+          </p:nvSpPr>
+          <p:spPr>
+            <a:xfrm>
+              <a:off x="2142700" y="3196015"/>
+              <a:ext cx="49651" cy="49651"/>
+            </a:xfrm>
+            <a:prstGeom prst="ellipse">
+              <a:avLst/>
+            </a:prstGeom>
+            <a:solidFill>
+              <a:srgbClr val="377EB8">
+                <a:alpha val="100000"/>
+              </a:srgbClr>
+            </a:solidFill>
+            <a:ln w="9000" cap="rnd">
+              <a:solidFill>
+                <a:srgbClr val="377EB8">
+                  <a:alpha val="100000"/>
+                </a:srgbClr>
+              </a:solidFill>
+              <a:prstDash val="solid"/>
+              <a:round/>
+            </a:ln>
+          </p:spPr>
+          <p:txBody>
+            <a:bodyPr/>
+            <a:lstStyle/>
+            <a:p/>
+          </p:txBody>
+        </p:sp>
+        <p:sp>
+          <p:nvSpPr>
+            <p:cNvPr id="29" name="pt29"/>
+            <p:cNvSpPr/>
+            <p:nvPr/>
+          </p:nvSpPr>
+          <p:spPr>
+            <a:xfrm>
+              <a:off x="3700573" y="3529540"/>
+              <a:ext cx="49651" cy="49651"/>
+            </a:xfrm>
+            <a:prstGeom prst="ellipse">
+              <a:avLst/>
+            </a:prstGeom>
+            <a:solidFill>
+              <a:srgbClr val="E41A1C">
+                <a:alpha val="100000"/>
+              </a:srgbClr>
+            </a:solidFill>
+            <a:ln w="9000" cap="rnd">
+              <a:solidFill>
+                <a:srgbClr val="E41A1C">
+                  <a:alpha val="100000"/>
+                </a:srgbClr>
+              </a:solidFill>
+              <a:prstDash val="solid"/>
+              <a:round/>
+            </a:ln>
+          </p:spPr>
+          <p:txBody>
+            <a:bodyPr/>
+            <a:lstStyle/>
+            <a:p/>
+          </p:txBody>
+        </p:sp>
+        <p:sp>
+          <p:nvSpPr>
+            <p:cNvPr id="30" name="pt30"/>
+            <p:cNvSpPr/>
+            <p:nvPr/>
+          </p:nvSpPr>
+          <p:spPr>
+            <a:xfrm>
+              <a:off x="4092217" y="4172768"/>
+              <a:ext cx="49651" cy="49651"/>
+            </a:xfrm>
+            <a:prstGeom prst="ellipse">
+              <a:avLst/>
+            </a:prstGeom>
+            <a:solidFill>
+              <a:srgbClr val="E41A1C">
+                <a:alpha val="100000"/>
+              </a:srgbClr>
+            </a:solidFill>
+            <a:ln w="9000" cap="rnd">
+              <a:solidFill>
+                <a:srgbClr val="E41A1C">
+                  <a:alpha val="100000"/>
+                </a:srgbClr>
+              </a:solidFill>
+              <a:prstDash val="solid"/>
+              <a:round/>
+            </a:ln>
+          </p:spPr>
+          <p:txBody>
+            <a:bodyPr/>
+            <a:lstStyle/>
+            <a:p/>
+          </p:txBody>
+        </p:sp>
+        <p:sp>
+          <p:nvSpPr>
+            <p:cNvPr id="31" name="pt31"/>
+            <p:cNvSpPr/>
+            <p:nvPr/>
+          </p:nvSpPr>
+          <p:spPr>
+            <a:xfrm>
+              <a:off x="4127030" y="4315707"/>
+              <a:ext cx="49651" cy="49651"/>
+            </a:xfrm>
+            <a:prstGeom prst="ellipse">
+              <a:avLst/>
+            </a:prstGeom>
+            <a:solidFill>
+              <a:srgbClr val="E41A1C">
+                <a:alpha val="100000"/>
+              </a:srgbClr>
+            </a:solidFill>
+            <a:ln w="9000" cap="rnd">
+              <a:solidFill>
+                <a:srgbClr val="E41A1C">
+                  <a:alpha val="100000"/>
+                </a:srgbClr>
+              </a:solidFill>
+              <a:prstDash val="solid"/>
+              <a:round/>
+            </a:ln>
+          </p:spPr>
+          <p:txBody>
+            <a:bodyPr/>
+            <a:lstStyle/>
+            <a:p/>
+          </p:txBody>
+        </p:sp>
+        <p:sp>
+          <p:nvSpPr>
+            <p:cNvPr id="32" name="pt32"/>
+            <p:cNvSpPr/>
+            <p:nvPr/>
+          </p:nvSpPr>
+          <p:spPr>
+            <a:xfrm>
+              <a:off x="4318501" y="5220990"/>
+              <a:ext cx="49651" cy="49651"/>
+            </a:xfrm>
+            <a:prstGeom prst="ellipse">
+              <a:avLst/>
+            </a:prstGeom>
+            <a:solidFill>
+              <a:srgbClr val="E41A1C">
+                <a:alpha val="100000"/>
+              </a:srgbClr>
+            </a:solidFill>
+            <a:ln w="9000" cap="rnd">
+              <a:solidFill>
+                <a:srgbClr val="E41A1C">
+                  <a:alpha val="100000"/>
+                </a:srgbClr>
+              </a:solidFill>
+              <a:prstDash val="solid"/>
+              <a:round/>
+            </a:ln>
+          </p:spPr>
+          <p:txBody>
+            <a:bodyPr/>
+            <a:lstStyle/>
+            <a:p/>
+          </p:txBody>
+        </p:sp>
+        <p:sp>
+          <p:nvSpPr>
+            <p:cNvPr id="33" name="pt33"/>
+            <p:cNvSpPr/>
+            <p:nvPr/>
+          </p:nvSpPr>
+          <p:spPr>
+            <a:xfrm>
+              <a:off x="3657057" y="2814843"/>
+              <a:ext cx="49651" cy="49651"/>
+            </a:xfrm>
+            <a:prstGeom prst="ellipse">
+              <a:avLst/>
+            </a:prstGeom>
+            <a:solidFill>
+              <a:srgbClr val="E41A1C">
+                <a:alpha val="100000"/>
+              </a:srgbClr>
+            </a:solidFill>
+            <a:ln w="9000" cap="rnd">
+              <a:solidFill>
+                <a:srgbClr val="E41A1C">
+                  <a:alpha val="100000"/>
+                </a:srgbClr>
+              </a:solidFill>
+              <a:prstDash val="solid"/>
+              <a:round/>
+            </a:ln>
+          </p:spPr>
+          <p:txBody>
+            <a:bodyPr/>
+            <a:lstStyle/>
+            <a:p/>
+          </p:txBody>
+        </p:sp>
+        <p:sp>
+          <p:nvSpPr>
+            <p:cNvPr id="34" name="pt34"/>
+            <p:cNvSpPr/>
+            <p:nvPr/>
+          </p:nvSpPr>
+          <p:spPr>
+            <a:xfrm>
+              <a:off x="3587432" y="3196015"/>
+              <a:ext cx="49651" cy="49651"/>
+            </a:xfrm>
+            <a:prstGeom prst="ellipse">
+              <a:avLst/>
+            </a:prstGeom>
+            <a:solidFill>
+              <a:srgbClr val="E41A1C">
+                <a:alpha val="100000"/>
+              </a:srgbClr>
+            </a:solidFill>
+            <a:ln w="9000" cap="rnd">
+              <a:solidFill>
+                <a:srgbClr val="E41A1C">
+                  <a:alpha val="100000"/>
+                </a:srgbClr>
+              </a:solidFill>
+              <a:prstDash val="solid"/>
+              <a:round/>
+            </a:ln>
+          </p:spPr>
+          <p:txBody>
+            <a:bodyPr/>
+            <a:lstStyle/>
+            <a:p/>
+          </p:txBody>
+        </p:sp>
+        <p:sp>
+          <p:nvSpPr>
+            <p:cNvPr id="35" name="pt35"/>
+            <p:cNvSpPr/>
+            <p:nvPr/>
+          </p:nvSpPr>
+          <p:spPr>
+            <a:xfrm>
+              <a:off x="4092217" y="4053651"/>
+              <a:ext cx="49651" cy="49651"/>
+            </a:xfrm>
+            <a:prstGeom prst="ellipse">
+              <a:avLst/>
+            </a:prstGeom>
+            <a:solidFill>
+              <a:srgbClr val="E41A1C">
+                <a:alpha val="100000"/>
+              </a:srgbClr>
+            </a:solidFill>
+            <a:ln w="9000" cap="rnd">
+              <a:solidFill>
+                <a:srgbClr val="E41A1C">
+                  <a:alpha val="100000"/>
+                </a:srgbClr>
+              </a:solidFill>
+              <a:prstDash val="solid"/>
+              <a:round/>
+            </a:ln>
+          </p:spPr>
+          <p:txBody>
+            <a:bodyPr/>
+            <a:lstStyle/>
+            <a:p/>
+          </p:txBody>
+        </p:sp>
+        <p:sp>
+          <p:nvSpPr>
+            <p:cNvPr id="36" name="pt36"/>
+            <p:cNvSpPr/>
+            <p:nvPr/>
+          </p:nvSpPr>
+          <p:spPr>
+            <a:xfrm>
+              <a:off x="4092217" y="4387177"/>
+              <a:ext cx="49651" cy="49651"/>
+            </a:xfrm>
+            <a:prstGeom prst="ellipse">
+              <a:avLst/>
+            </a:prstGeom>
+            <a:solidFill>
+              <a:srgbClr val="E41A1C">
+                <a:alpha val="100000"/>
+              </a:srgbClr>
+            </a:solidFill>
+            <a:ln w="9000" cap="rnd">
+              <a:solidFill>
+                <a:srgbClr val="E41A1C">
+                  <a:alpha val="100000"/>
+                </a:srgbClr>
+              </a:solidFill>
+              <a:prstDash val="solid"/>
+              <a:round/>
+            </a:ln>
+          </p:spPr>
+          <p:txBody>
+            <a:bodyPr/>
+            <a:lstStyle/>
+            <a:p/>
+          </p:txBody>
+        </p:sp>
+        <p:sp>
+          <p:nvSpPr>
+            <p:cNvPr id="37" name="pt37"/>
+            <p:cNvSpPr/>
+            <p:nvPr/>
+          </p:nvSpPr>
+          <p:spPr>
+            <a:xfrm>
+              <a:off x="5188821" y="4720702"/>
+              <a:ext cx="49651" cy="49651"/>
+            </a:xfrm>
+            <a:prstGeom prst="ellipse">
+              <a:avLst/>
+            </a:prstGeom>
+            <a:solidFill>
+              <a:srgbClr val="E41A1C">
+                <a:alpha val="100000"/>
+              </a:srgbClr>
+            </a:solidFill>
+            <a:ln w="9000" cap="rnd">
+              <a:solidFill>
+                <a:srgbClr val="E41A1C">
+                  <a:alpha val="100000"/>
+                </a:srgbClr>
+              </a:solidFill>
+              <a:prstDash val="solid"/>
+              <a:round/>
+            </a:ln>
+          </p:spPr>
+          <p:txBody>
+            <a:bodyPr/>
+            <a:lstStyle/>
+            <a:p/>
+          </p:txBody>
+        </p:sp>
+        <p:sp>
+          <p:nvSpPr>
+            <p:cNvPr id="38" name="pt38"/>
+            <p:cNvSpPr/>
+            <p:nvPr/>
+          </p:nvSpPr>
+          <p:spPr>
+            <a:xfrm>
+              <a:off x="4597003" y="4506293"/>
+              <a:ext cx="49651" cy="49651"/>
+            </a:xfrm>
+            <a:prstGeom prst="ellipse">
+              <a:avLst/>
+            </a:prstGeom>
+            <a:solidFill>
+              <a:srgbClr val="E41A1C">
+                <a:alpha val="100000"/>
+              </a:srgbClr>
+            </a:solidFill>
+            <a:ln w="9000" cap="rnd">
+              <a:solidFill>
+                <a:srgbClr val="E41A1C">
+                  <a:alpha val="100000"/>
+                </a:srgbClr>
+              </a:solidFill>
+              <a:prstDash val="solid"/>
+              <a:round/>
+            </a:ln>
+          </p:spPr>
+          <p:txBody>
+            <a:bodyPr/>
+            <a:lstStyle/>
+            <a:p/>
+          </p:txBody>
+        </p:sp>
+        <p:sp>
+          <p:nvSpPr>
+            <p:cNvPr id="39" name="pt39"/>
+            <p:cNvSpPr/>
+            <p:nvPr/>
+          </p:nvSpPr>
+          <p:spPr>
+            <a:xfrm>
+              <a:off x="4684035" y="5006581"/>
+              <a:ext cx="49651" cy="49651"/>
+            </a:xfrm>
+            <a:prstGeom prst="ellipse">
+              <a:avLst/>
+            </a:prstGeom>
+            <a:solidFill>
+              <a:srgbClr val="E41A1C">
+                <a:alpha val="100000"/>
+              </a:srgbClr>
+            </a:solidFill>
+            <a:ln w="9000" cap="rnd">
+              <a:solidFill>
+                <a:srgbClr val="E41A1C">
+                  <a:alpha val="100000"/>
+                </a:srgbClr>
+              </a:solidFill>
+              <a:prstDash val="solid"/>
+              <a:round/>
+            </a:ln>
+          </p:spPr>
+          <p:txBody>
+            <a:bodyPr/>
+            <a:lstStyle/>
+            <a:p/>
+          </p:txBody>
+        </p:sp>
+        <p:sp>
+          <p:nvSpPr>
+            <p:cNvPr id="40" name="pt40"/>
+            <p:cNvSpPr/>
+            <p:nvPr/>
+          </p:nvSpPr>
+          <p:spPr>
+            <a:xfrm>
+              <a:off x="7242776" y="6150096"/>
+              <a:ext cx="49651" cy="49651"/>
+            </a:xfrm>
+            <a:prstGeom prst="ellipse">
+              <a:avLst/>
+            </a:prstGeom>
+            <a:solidFill>
+              <a:srgbClr val="E41A1C">
+                <a:alpha val="100000"/>
+              </a:srgbClr>
+            </a:solidFill>
+            <a:ln w="9000" cap="rnd">
+              <a:solidFill>
+                <a:srgbClr val="E41A1C">
+                  <a:alpha val="100000"/>
+                </a:srgbClr>
+              </a:solidFill>
+              <a:prstDash val="solid"/>
+              <a:round/>
+            </a:ln>
+          </p:spPr>
+          <p:txBody>
+            <a:bodyPr/>
+            <a:lstStyle/>
+            <a:p/>
+          </p:txBody>
+        </p:sp>
+        <p:sp>
+          <p:nvSpPr>
+            <p:cNvPr id="41" name="pt41"/>
+            <p:cNvSpPr/>
+            <p:nvPr/>
+          </p:nvSpPr>
+          <p:spPr>
+            <a:xfrm>
+              <a:off x="7545647" y="6150096"/>
+              <a:ext cx="49651" cy="49651"/>
+            </a:xfrm>
+            <a:prstGeom prst="ellipse">
+              <a:avLst/>
+            </a:prstGeom>
+            <a:solidFill>
+              <a:srgbClr val="E41A1C">
+                <a:alpha val="100000"/>
+              </a:srgbClr>
+            </a:solidFill>
+            <a:ln w="9000" cap="rnd">
+              <a:solidFill>
+                <a:srgbClr val="E41A1C">
+                  <a:alpha val="100000"/>
+                </a:srgbClr>
+              </a:solidFill>
+              <a:prstDash val="solid"/>
+              <a:round/>
+            </a:ln>
+          </p:spPr>
+          <p:txBody>
+            <a:bodyPr/>
+            <a:lstStyle/>
+            <a:p/>
+          </p:txBody>
+        </p:sp>
+        <p:sp>
+          <p:nvSpPr>
+            <p:cNvPr id="42" name="pt42"/>
+            <p:cNvSpPr/>
+            <p:nvPr/>
+          </p:nvSpPr>
+          <p:spPr>
+            <a:xfrm>
+              <a:off x="7408137" y="5125697"/>
+              <a:ext cx="49651" cy="49651"/>
+            </a:xfrm>
+            <a:prstGeom prst="ellipse">
+              <a:avLst/>
+            </a:prstGeom>
+            <a:solidFill>
+              <a:srgbClr val="E41A1C">
+                <a:alpha val="100000"/>
+              </a:srgbClr>
+            </a:solidFill>
+            <a:ln w="9000" cap="rnd">
+              <a:solidFill>
+                <a:srgbClr val="E41A1C">
+                  <a:alpha val="100000"/>
+                </a:srgbClr>
+              </a:solidFill>
+              <a:prstDash val="solid"/>
+              <a:round/>
+            </a:ln>
+          </p:spPr>
+          <p:txBody>
+            <a:bodyPr/>
+            <a:lstStyle/>
+            <a:p/>
+          </p:txBody>
+        </p:sp>
+        <p:sp>
+          <p:nvSpPr>
+            <p:cNvPr id="43" name="pt43"/>
+            <p:cNvSpPr/>
+            <p:nvPr/>
+          </p:nvSpPr>
+          <p:spPr>
+            <a:xfrm>
+              <a:off x="1933824" y="908984"/>
+              <a:ext cx="49651" cy="49651"/>
+            </a:xfrm>
+            <a:prstGeom prst="ellipse">
+              <a:avLst/>
+            </a:prstGeom>
+            <a:solidFill>
+              <a:srgbClr val="377EB8">
+                <a:alpha val="100000"/>
+              </a:srgbClr>
+            </a:solidFill>
+            <a:ln w="9000" cap="rnd">
+              <a:solidFill>
+                <a:srgbClr val="377EB8">
+                  <a:alpha val="100000"/>
+                </a:srgbClr>
+              </a:solidFill>
+              <a:prstDash val="solid"/>
+              <a:round/>
+            </a:ln>
+          </p:spPr>
+          <p:txBody>
+            <a:bodyPr/>
+            <a:lstStyle/>
+            <a:p/>
+          </p:txBody>
+        </p:sp>
+        <p:sp>
+          <p:nvSpPr>
+            <p:cNvPr id="44" name="pt44"/>
+            <p:cNvSpPr/>
+            <p:nvPr/>
+          </p:nvSpPr>
+          <p:spPr>
+            <a:xfrm>
+              <a:off x="915549" y="1385449"/>
+              <a:ext cx="49651" cy="49651"/>
+            </a:xfrm>
+            <a:prstGeom prst="ellipse">
+              <a:avLst/>
+            </a:prstGeom>
+            <a:solidFill>
+              <a:srgbClr val="377EB8">
+                <a:alpha val="100000"/>
+              </a:srgbClr>
+            </a:solidFill>
+            <a:ln w="9000" cap="rnd">
+              <a:solidFill>
+                <a:srgbClr val="377EB8">
+                  <a:alpha val="100000"/>
+                </a:srgbClr>
+              </a:solidFill>
+              <a:prstDash val="solid"/>
+              <a:round/>
+            </a:ln>
+          </p:spPr>
+          <p:txBody>
+            <a:bodyPr/>
+            <a:lstStyle/>
+            <a:p/>
+          </p:txBody>
+        </p:sp>
+        <p:sp>
+          <p:nvSpPr>
+            <p:cNvPr id="45" name="pt45"/>
+            <p:cNvSpPr/>
+            <p:nvPr/>
+          </p:nvSpPr>
+          <p:spPr>
+            <a:xfrm>
+              <a:off x="1298490" y="551636"/>
+              <a:ext cx="49651" cy="49651"/>
+            </a:xfrm>
+            <a:prstGeom prst="ellipse">
+              <a:avLst/>
+            </a:prstGeom>
+            <a:solidFill>
+              <a:srgbClr val="377EB8">
+                <a:alpha val="100000"/>
+              </a:srgbClr>
+            </a:solidFill>
+            <a:ln w="9000" cap="rnd">
+              <a:solidFill>
+                <a:srgbClr val="377EB8">
+                  <a:alpha val="100000"/>
+                </a:srgbClr>
+              </a:solidFill>
+              <a:prstDash val="solid"/>
+              <a:round/>
+            </a:ln>
+          </p:spPr>
+          <p:txBody>
+            <a:bodyPr/>
+            <a:lstStyle/>
+            <a:p/>
+          </p:txBody>
+        </p:sp>
+        <p:sp>
+          <p:nvSpPr>
+            <p:cNvPr id="46" name="pt46"/>
+            <p:cNvSpPr/>
+            <p:nvPr/>
+          </p:nvSpPr>
+          <p:spPr>
+            <a:xfrm>
+              <a:off x="2395093" y="3505717"/>
+              <a:ext cx="49651" cy="49651"/>
+            </a:xfrm>
+            <a:prstGeom prst="ellipse">
+              <a:avLst/>
+            </a:prstGeom>
+            <a:solidFill>
+              <a:srgbClr val="E41A1C">
+                <a:alpha val="100000"/>
+              </a:srgbClr>
+            </a:solidFill>
+            <a:ln w="9000" cap="rnd">
+              <a:solidFill>
+                <a:srgbClr val="E41A1C">
+                  <a:alpha val="100000"/>
+                </a:srgbClr>
+              </a:solidFill>
+              <a:prstDash val="solid"/>
+              <a:round/>
+            </a:ln>
+          </p:spPr>
+          <p:txBody>
+            <a:bodyPr/>
+            <a:lstStyle/>
+            <a:p/>
+          </p:txBody>
+        </p:sp>
+        <p:sp>
+          <p:nvSpPr>
+            <p:cNvPr id="47" name="pt47"/>
+            <p:cNvSpPr/>
+            <p:nvPr/>
+          </p:nvSpPr>
+          <p:spPr>
+            <a:xfrm>
+              <a:off x="4231469" y="4935111"/>
+              <a:ext cx="49651" cy="49651"/>
+            </a:xfrm>
+            <a:prstGeom prst="ellipse">
+              <a:avLst/>
+            </a:prstGeom>
+            <a:solidFill>
+              <a:srgbClr val="E41A1C">
+                <a:alpha val="100000"/>
+              </a:srgbClr>
+            </a:solidFill>
+            <a:ln w="9000" cap="rnd">
+              <a:solidFill>
+                <a:srgbClr val="E41A1C">
+                  <a:alpha val="100000"/>
+                </a:srgbClr>
+              </a:solidFill>
+              <a:prstDash val="solid"/>
+              <a:round/>
+            </a:ln>
+          </p:spPr>
+          <p:txBody>
+            <a:bodyPr/>
+            <a:lstStyle/>
+            <a:p/>
+          </p:txBody>
+        </p:sp>
+        <p:sp>
+          <p:nvSpPr>
+            <p:cNvPr id="48" name="pt48"/>
+            <p:cNvSpPr/>
+            <p:nvPr/>
+          </p:nvSpPr>
+          <p:spPr>
+            <a:xfrm>
+              <a:off x="4083514" y="5006581"/>
+              <a:ext cx="49651" cy="49651"/>
+            </a:xfrm>
+            <a:prstGeom prst="ellipse">
+              <a:avLst/>
+            </a:prstGeom>
+            <a:solidFill>
+              <a:srgbClr val="E41A1C">
+                <a:alpha val="100000"/>
+              </a:srgbClr>
+            </a:solidFill>
+            <a:ln w="9000" cap="rnd">
+              <a:solidFill>
+                <a:srgbClr val="E41A1C">
+                  <a:alpha val="100000"/>
+                </a:srgbClr>
+              </a:solidFill>
+              <a:prstDash val="solid"/>
+              <a:round/>
+            </a:ln>
+          </p:spPr>
+          <p:txBody>
+            <a:bodyPr/>
+            <a:lstStyle/>
+            <a:p/>
+          </p:txBody>
+        </p:sp>
+        <p:sp>
+          <p:nvSpPr>
+            <p:cNvPr id="49" name="pt49"/>
+            <p:cNvSpPr/>
+            <p:nvPr/>
+          </p:nvSpPr>
+          <p:spPr>
+            <a:xfrm>
+              <a:off x="4788473" y="5459222"/>
+              <a:ext cx="49651" cy="49651"/>
+            </a:xfrm>
+            <a:prstGeom prst="ellipse">
+              <a:avLst/>
+            </a:prstGeom>
+            <a:solidFill>
+              <a:srgbClr val="E41A1C">
+                <a:alpha val="100000"/>
+              </a:srgbClr>
+            </a:solidFill>
+            <a:ln w="9000" cap="rnd">
+              <a:solidFill>
+                <a:srgbClr val="E41A1C">
+                  <a:alpha val="100000"/>
+                </a:srgbClr>
+              </a:solidFill>
+              <a:prstDash val="solid"/>
+              <a:round/>
+            </a:ln>
+          </p:spPr>
+          <p:txBody>
+            <a:bodyPr/>
+            <a:lstStyle/>
+            <a:p/>
+          </p:txBody>
+        </p:sp>
+        <p:sp>
+          <p:nvSpPr>
+            <p:cNvPr id="50" name="pt50"/>
+            <p:cNvSpPr/>
+            <p:nvPr/>
+          </p:nvSpPr>
+          <p:spPr>
+            <a:xfrm>
+              <a:off x="4797177" y="4053651"/>
+              <a:ext cx="49651" cy="49651"/>
+            </a:xfrm>
+            <a:prstGeom prst="ellipse">
+              <a:avLst/>
+            </a:prstGeom>
+            <a:solidFill>
+              <a:srgbClr val="E41A1C">
+                <a:alpha val="100000"/>
+              </a:srgbClr>
+            </a:solidFill>
+            <a:ln w="9000" cap="rnd">
+              <a:solidFill>
+                <a:srgbClr val="E41A1C">
+                  <a:alpha val="100000"/>
+                </a:srgbClr>
+              </a:solidFill>
+              <a:prstDash val="solid"/>
+              <a:round/>
+            </a:ln>
+          </p:spPr>
+          <p:txBody>
+            <a:bodyPr/>
+            <a:lstStyle/>
+            <a:p/>
+          </p:txBody>
+        </p:sp>
+        <p:sp>
+          <p:nvSpPr>
+            <p:cNvPr id="51" name="pt51"/>
+            <p:cNvSpPr/>
+            <p:nvPr/>
+          </p:nvSpPr>
+          <p:spPr>
+            <a:xfrm>
+              <a:off x="1472554" y="2123969"/>
+              <a:ext cx="49651" cy="49651"/>
+            </a:xfrm>
+            <a:prstGeom prst="ellipse">
+              <a:avLst/>
+            </a:prstGeom>
+            <a:solidFill>
+              <a:srgbClr val="377EB8">
+                <a:alpha val="100000"/>
+              </a:srgbClr>
+            </a:solidFill>
+            <a:ln w="9000" cap="rnd">
+              <a:solidFill>
+                <a:srgbClr val="377EB8">
+                  <a:alpha val="100000"/>
+                </a:srgbClr>
+              </a:solidFill>
+              <a:prstDash val="solid"/>
+              <a:round/>
+            </a:ln>
+          </p:spPr>
+          <p:txBody>
+            <a:bodyPr/>
+            <a:lstStyle/>
+            <a:p/>
+          </p:txBody>
+        </p:sp>
+        <p:sp>
+          <p:nvSpPr>
+            <p:cNvPr id="52" name="pt52"/>
+            <p:cNvSpPr/>
+            <p:nvPr/>
+          </p:nvSpPr>
+          <p:spPr>
+            <a:xfrm>
+              <a:off x="1829385" y="2433671"/>
+              <a:ext cx="49651" cy="49651"/>
+            </a:xfrm>
+            <a:prstGeom prst="ellipse">
+              <a:avLst/>
+            </a:prstGeom>
+            <a:solidFill>
+              <a:srgbClr val="377EB8">
+                <a:alpha val="100000"/>
+              </a:srgbClr>
+            </a:solidFill>
+            <a:ln w="9000" cap="rnd">
+              <a:solidFill>
+                <a:srgbClr val="377EB8">
+                  <a:alpha val="100000"/>
+                </a:srgbClr>
+              </a:solidFill>
+              <a:prstDash val="solid"/>
+              <a:round/>
+            </a:ln>
+          </p:spPr>
+          <p:txBody>
+            <a:bodyPr/>
+            <a:lstStyle/>
+            <a:p/>
+          </p:txBody>
+        </p:sp>
+        <p:sp>
+          <p:nvSpPr>
+            <p:cNvPr id="53" name="pt53"/>
+            <p:cNvSpPr/>
+            <p:nvPr/>
+          </p:nvSpPr>
+          <p:spPr>
+            <a:xfrm>
+              <a:off x="738004" y="1385449"/>
+              <a:ext cx="49651" cy="49651"/>
+            </a:xfrm>
+            <a:prstGeom prst="ellipse">
+              <a:avLst/>
+            </a:prstGeom>
+            <a:solidFill>
+              <a:srgbClr val="377EB8">
+                <a:alpha val="100000"/>
+              </a:srgbClr>
+            </a:solidFill>
+            <a:ln w="9000" cap="rnd">
+              <a:solidFill>
+                <a:srgbClr val="377EB8">
+                  <a:alpha val="100000"/>
+                </a:srgbClr>
+              </a:solidFill>
+              <a:prstDash val="solid"/>
+              <a:round/>
+            </a:ln>
+          </p:spPr>
+          <p:txBody>
+            <a:bodyPr/>
+            <a:lstStyle/>
+            <a:p/>
+          </p:txBody>
+        </p:sp>
+        <p:sp>
+          <p:nvSpPr>
+            <p:cNvPr id="54" name="pt54"/>
+            <p:cNvSpPr/>
+            <p:nvPr/>
+          </p:nvSpPr>
+          <p:spPr>
+            <a:xfrm>
+              <a:off x="3622245" y="4863641"/>
+              <a:ext cx="49651" cy="49651"/>
+            </a:xfrm>
+            <a:prstGeom prst="ellipse">
+              <a:avLst/>
+            </a:prstGeom>
+            <a:solidFill>
+              <a:srgbClr val="377EB8">
+                <a:alpha val="100000"/>
+              </a:srgbClr>
+            </a:solidFill>
+            <a:ln w="9000" cap="rnd">
+              <a:solidFill>
+                <a:srgbClr val="377EB8">
+                  <a:alpha val="100000"/>
+                </a:srgbClr>
+              </a:solidFill>
+              <a:prstDash val="solid"/>
+              <a:round/>
+            </a:ln>
+          </p:spPr>
+          <p:txBody>
+            <a:bodyPr/>
+            <a:lstStyle/>
+            <a:p/>
+          </p:txBody>
+        </p:sp>
+        <p:sp>
+          <p:nvSpPr>
+            <p:cNvPr id="55" name="pt55"/>
+            <p:cNvSpPr/>
+            <p:nvPr/>
+          </p:nvSpPr>
+          <p:spPr>
+            <a:xfrm>
+              <a:off x="2925989" y="3934535"/>
+              <a:ext cx="49651" cy="49651"/>
+            </a:xfrm>
+            <a:prstGeom prst="ellipse">
+              <a:avLst/>
+            </a:prstGeom>
+            <a:solidFill>
+              <a:srgbClr val="377EB8">
+                <a:alpha val="100000"/>
+              </a:srgbClr>
+            </a:solidFill>
+            <a:ln w="9000" cap="rnd">
+              <a:solidFill>
+                <a:srgbClr val="377EB8">
+                  <a:alpha val="100000"/>
+                </a:srgbClr>
+              </a:solidFill>
+              <a:prstDash val="solid"/>
+              <a:round/>
+            </a:ln>
+          </p:spPr>
+          <p:txBody>
+            <a:bodyPr/>
+            <a:lstStyle/>
+            <a:p/>
+          </p:txBody>
+        </p:sp>
+        <p:sp>
+          <p:nvSpPr>
+            <p:cNvPr id="56" name="pt56"/>
+            <p:cNvSpPr/>
+            <p:nvPr/>
+          </p:nvSpPr>
+          <p:spPr>
+            <a:xfrm>
+              <a:off x="4318501" y="5054227"/>
+              <a:ext cx="49651" cy="49651"/>
+            </a:xfrm>
+            <a:prstGeom prst="ellipse">
+              <a:avLst/>
+            </a:prstGeom>
+            <a:solidFill>
+              <a:srgbClr val="377EB8">
+                <a:alpha val="100000"/>
+              </a:srgbClr>
+            </a:solidFill>
+            <a:ln w="9000" cap="rnd">
+              <a:solidFill>
+                <a:srgbClr val="377EB8">
+                  <a:alpha val="100000"/>
+                </a:srgbClr>
+              </a:solidFill>
+              <a:prstDash val="solid"/>
+              <a:round/>
+            </a:ln>
+          </p:spPr>
+          <p:txBody>
+            <a:bodyPr/>
+            <a:lstStyle/>
+            <a:p/>
+          </p:txBody>
+        </p:sp>
+        <p:sp>
+          <p:nvSpPr>
+            <p:cNvPr id="57" name="pt57"/>
+            <p:cNvSpPr/>
+            <p:nvPr/>
+          </p:nvSpPr>
+          <p:spPr>
+            <a:xfrm>
+              <a:off x="2943395" y="3529540"/>
+              <a:ext cx="49651" cy="49651"/>
+            </a:xfrm>
+            <a:prstGeom prst="ellipse">
+              <a:avLst/>
+            </a:prstGeom>
+            <a:solidFill>
+              <a:srgbClr val="377EB8">
+                <a:alpha val="100000"/>
+              </a:srgbClr>
+            </a:solidFill>
+            <a:ln w="9000" cap="rnd">
+              <a:solidFill>
+                <a:srgbClr val="377EB8">
+                  <a:alpha val="100000"/>
+                </a:srgbClr>
+              </a:solidFill>
+              <a:prstDash val="solid"/>
+              <a:round/>
+            </a:ln>
+          </p:spPr>
+          <p:txBody>
+            <a:bodyPr/>
+            <a:lstStyle/>
+            <a:p/>
+          </p:txBody>
+        </p:sp>
+        <p:sp>
+          <p:nvSpPr>
+            <p:cNvPr id="58" name="tx58"/>
+            <p:cNvSpPr/>
+            <p:nvPr/>
+          </p:nvSpPr>
+          <p:spPr>
+            <a:xfrm>
+              <a:off x="235550" y="6229932"/>
+              <a:ext cx="124267" cy="80367"/>
+            </a:xfrm>
+            <a:prstGeom prst="rect">
+              <a:avLst/>
+            </a:prstGeom>
+            <a:noFill/>
+          </p:spPr>
+          <p:txBody>
+            <a:bodyPr lIns="0" rIns="0" tIns="0" bIns="0" anchorCtr="1" anchor="ctr" wrap="none"/>
+            <a:lstStyle/>
+            <a:p>
+              <a:pPr algn="l" marL="0" marR="0" indent="0">
+                <a:lnSpc>
+                  <a:spcPts val="880"/>
+                </a:lnSpc>
+                <a:spcBef>
+                  <a:spcPts val="0"/>
+                </a:spcBef>
+                <a:spcAft>
+                  <a:spcPts val="0"/>
+                </a:spcAft>
+              </a:pPr>
+              <a:r>
+                <a:rPr sz="880">
+                  <a:solidFill>
+                    <a:srgbClr val="4D4D4D">
+                      <a:alpha val="100000"/>
+                    </a:srgbClr>
+                  </a:solidFill>
+                  <a:latin typeface="Helvetica"/>
+                  <a:cs typeface="Helvetica"/>
+                </a:rPr>
+                <a:t>10</a:t>
+              </a:r>
+            </a:p>
+          </p:txBody>
+        </p:sp>
+        <p:sp>
+          <p:nvSpPr>
+            <p:cNvPr id="59" name="tx59"/>
+            <p:cNvSpPr/>
+            <p:nvPr/>
+          </p:nvSpPr>
+          <p:spPr>
+            <a:xfrm>
+              <a:off x="235550" y="5039366"/>
+              <a:ext cx="124267" cy="79771"/>
+            </a:xfrm>
+            <a:prstGeom prst="rect">
+              <a:avLst/>
+            </a:prstGeom>
+            <a:noFill/>
+          </p:spPr>
+          <p:txBody>
+            <a:bodyPr lIns="0" rIns="0" tIns="0" bIns="0" anchorCtr="1" anchor="ctr" wrap="none"/>
+            <a:lstStyle/>
+            <a:p>
+              <a:pPr algn="l" marL="0" marR="0" indent="0">
+                <a:lnSpc>
+                  <a:spcPts val="880"/>
+                </a:lnSpc>
+                <a:spcBef>
+                  <a:spcPts val="0"/>
+                </a:spcBef>
+                <a:spcAft>
+                  <a:spcPts val="0"/>
+                </a:spcAft>
+              </a:pPr>
+              <a:r>
+                <a:rPr sz="880">
+                  <a:solidFill>
+                    <a:srgbClr val="4D4D4D">
+                      <a:alpha val="100000"/>
+                    </a:srgbClr>
+                  </a:solidFill>
+                  <a:latin typeface="Helvetica"/>
+                  <a:cs typeface="Helvetica"/>
+                </a:rPr>
+                <a:t>15</a:t>
+              </a:r>
+            </a:p>
+          </p:txBody>
+        </p:sp>
+        <p:sp>
+          <p:nvSpPr>
+            <p:cNvPr id="60" name="tx60"/>
+            <p:cNvSpPr/>
+            <p:nvPr/>
+          </p:nvSpPr>
+          <p:spPr>
+            <a:xfrm>
+              <a:off x="235550" y="3847410"/>
+              <a:ext cx="124267" cy="80565"/>
+            </a:xfrm>
+            <a:prstGeom prst="rect">
+              <a:avLst/>
+            </a:prstGeom>
+            <a:noFill/>
+          </p:spPr>
+          <p:txBody>
+            <a:bodyPr lIns="0" rIns="0" tIns="0" bIns="0" anchorCtr="1" anchor="ctr" wrap="none"/>
+            <a:lstStyle/>
+            <a:p>
+              <a:pPr algn="l" marL="0" marR="0" indent="0">
+                <a:lnSpc>
+                  <a:spcPts val="880"/>
+                </a:lnSpc>
+                <a:spcBef>
+                  <a:spcPts val="0"/>
+                </a:spcBef>
+                <a:spcAft>
+                  <a:spcPts val="0"/>
+                </a:spcAft>
+              </a:pPr>
+              <a:r>
+                <a:rPr sz="880">
+                  <a:solidFill>
+                    <a:srgbClr val="4D4D4D">
+                      <a:alpha val="100000"/>
+                    </a:srgbClr>
+                  </a:solidFill>
+                  <a:latin typeface="Helvetica"/>
+                  <a:cs typeface="Helvetica"/>
+                </a:rPr>
+                <a:t>20</a:t>
+              </a:r>
+            </a:p>
+          </p:txBody>
+        </p:sp>
+        <p:sp>
+          <p:nvSpPr>
+            <p:cNvPr id="61" name="tx61"/>
+            <p:cNvSpPr/>
+            <p:nvPr/>
+          </p:nvSpPr>
+          <p:spPr>
+            <a:xfrm>
+              <a:off x="235550" y="2656447"/>
+              <a:ext cx="124267" cy="80367"/>
+            </a:xfrm>
+            <a:prstGeom prst="rect">
+              <a:avLst/>
+            </a:prstGeom>
+            <a:noFill/>
+          </p:spPr>
+          <p:txBody>
+            <a:bodyPr lIns="0" rIns="0" tIns="0" bIns="0" anchorCtr="1" anchor="ctr" wrap="none"/>
+            <a:lstStyle/>
+            <a:p>
+              <a:pPr algn="l" marL="0" marR="0" indent="0">
+                <a:lnSpc>
+                  <a:spcPts val="880"/>
+                </a:lnSpc>
+                <a:spcBef>
+                  <a:spcPts val="0"/>
+                </a:spcBef>
+                <a:spcAft>
+                  <a:spcPts val="0"/>
+                </a:spcAft>
+              </a:pPr>
+              <a:r>
+                <a:rPr sz="880">
+                  <a:solidFill>
+                    <a:srgbClr val="4D4D4D">
+                      <a:alpha val="100000"/>
+                    </a:srgbClr>
+                  </a:solidFill>
+                  <a:latin typeface="Helvetica"/>
+                  <a:cs typeface="Helvetica"/>
+                </a:rPr>
+                <a:t>25</a:t>
+              </a:r>
+            </a:p>
+          </p:txBody>
+        </p:sp>
+        <p:sp>
+          <p:nvSpPr>
+            <p:cNvPr id="62" name="tx62"/>
+            <p:cNvSpPr/>
+            <p:nvPr/>
+          </p:nvSpPr>
+          <p:spPr>
+            <a:xfrm>
+              <a:off x="235550" y="1465285"/>
+              <a:ext cx="124267" cy="80367"/>
+            </a:xfrm>
+            <a:prstGeom prst="rect">
+              <a:avLst/>
+            </a:prstGeom>
+            <a:noFill/>
+          </p:spPr>
+          <p:txBody>
+            <a:bodyPr lIns="0" rIns="0" tIns="0" bIns="0" anchorCtr="1" anchor="ctr" wrap="none"/>
+            <a:lstStyle/>
+            <a:p>
+              <a:pPr algn="l" marL="0" marR="0" indent="0">
+                <a:lnSpc>
+                  <a:spcPts val="880"/>
+                </a:lnSpc>
+                <a:spcBef>
+                  <a:spcPts val="0"/>
+                </a:spcBef>
+                <a:spcAft>
+                  <a:spcPts val="0"/>
+                </a:spcAft>
+              </a:pPr>
+              <a:r>
+                <a:rPr sz="880">
+                  <a:solidFill>
+                    <a:srgbClr val="4D4D4D">
+                      <a:alpha val="100000"/>
+                    </a:srgbClr>
+                  </a:solidFill>
+                  <a:latin typeface="Helvetica"/>
+                  <a:cs typeface="Helvetica"/>
+                </a:rPr>
+                <a:t>30</a:t>
+              </a:r>
+            </a:p>
+          </p:txBody>
+        </p:sp>
+        <p:sp>
+          <p:nvSpPr>
+            <p:cNvPr id="63" name="tx63"/>
+            <p:cNvSpPr/>
+            <p:nvPr/>
+          </p:nvSpPr>
+          <p:spPr>
+            <a:xfrm>
+              <a:off x="235550" y="274123"/>
+              <a:ext cx="124267" cy="80367"/>
+            </a:xfrm>
+            <a:prstGeom prst="rect">
+              <a:avLst/>
+            </a:prstGeom>
+            <a:noFill/>
+          </p:spPr>
+          <p:txBody>
+            <a:bodyPr lIns="0" rIns="0" tIns="0" bIns="0" anchorCtr="1" anchor="ctr" wrap="none"/>
+            <a:lstStyle/>
+            <a:p>
+              <a:pPr algn="l" marL="0" marR="0" indent="0">
+                <a:lnSpc>
+                  <a:spcPts val="880"/>
+                </a:lnSpc>
+                <a:spcBef>
+                  <a:spcPts val="0"/>
+                </a:spcBef>
+                <a:spcAft>
+                  <a:spcPts val="0"/>
+                </a:spcAft>
+              </a:pPr>
+              <a:r>
+                <a:rPr sz="880">
+                  <a:solidFill>
+                    <a:srgbClr val="4D4D4D">
+                      <a:alpha val="100000"/>
+                    </a:srgbClr>
+                  </a:solidFill>
+                  <a:latin typeface="Helvetica"/>
+                  <a:cs typeface="Helvetica"/>
+                </a:rPr>
+                <a:t>35</a:t>
+              </a:r>
+            </a:p>
+          </p:txBody>
+        </p:sp>
+        <p:sp>
+          <p:nvSpPr>
+            <p:cNvPr id="64" name="pl64"/>
+            <p:cNvSpPr/>
+            <p:nvPr/>
+          </p:nvSpPr>
+          <p:spPr>
+            <a:xfrm>
+              <a:off x="387653" y="6270215"/>
+              <a:ext cx="34794" cy="0"/>
+            </a:xfrm>
+            <a:custGeom>
+              <a:avLst/>
+              <a:pathLst>
+                <a:path w="34794" h="0">
+                  <a:moveTo>
+                    <a:pt x="0" y="0"/>
+                  </a:moveTo>
+                  <a:lnTo>
+                    <a:pt x="34794" y="0"/>
+                  </a:lnTo>
+                </a:path>
+              </a:pathLst>
+            </a:custGeom>
+            <a:ln w="13550" cap="flat">
+              <a:solidFill>
+                <a:srgbClr val="333333">
+                  <a:alpha val="100000"/>
+                </a:srgbClr>
+              </a:solidFill>
+              <a:prstDash val="solid"/>
+              <a:round/>
+            </a:ln>
+          </p:spPr>
+          <p:txBody>
+            <a:bodyPr/>
+            <a:lstStyle/>
+            <a:p/>
+          </p:txBody>
+        </p:sp>
+        <p:sp>
+          <p:nvSpPr>
+            <p:cNvPr id="65" name="pl65"/>
+            <p:cNvSpPr/>
+            <p:nvPr/>
+          </p:nvSpPr>
+          <p:spPr>
+            <a:xfrm>
+              <a:off x="387653" y="5079053"/>
+              <a:ext cx="34794" cy="0"/>
+            </a:xfrm>
+            <a:custGeom>
+              <a:avLst/>
+              <a:pathLst>
+                <a:path w="34794" h="0">
+                  <a:moveTo>
+                    <a:pt x="0" y="0"/>
+                  </a:moveTo>
+                  <a:lnTo>
+                    <a:pt x="34794" y="0"/>
+                  </a:lnTo>
+                </a:path>
+              </a:pathLst>
+            </a:custGeom>
+            <a:ln w="13550" cap="flat">
+              <a:solidFill>
+                <a:srgbClr val="333333">
+                  <a:alpha val="100000"/>
+                </a:srgbClr>
+              </a:solidFill>
+              <a:prstDash val="solid"/>
+              <a:round/>
+            </a:ln>
+          </p:spPr>
+          <p:txBody>
+            <a:bodyPr/>
+            <a:lstStyle/>
+            <a:p/>
+          </p:txBody>
+        </p:sp>
+        <p:sp>
+          <p:nvSpPr>
+            <p:cNvPr id="66" name="pl66"/>
+            <p:cNvSpPr/>
+            <p:nvPr/>
+          </p:nvSpPr>
+          <p:spPr>
+            <a:xfrm>
+              <a:off x="387653" y="3887891"/>
+              <a:ext cx="34794" cy="0"/>
+            </a:xfrm>
+            <a:custGeom>
+              <a:avLst/>
+              <a:pathLst>
+                <a:path w="34794" h="0">
+                  <a:moveTo>
+                    <a:pt x="0" y="0"/>
+                  </a:moveTo>
+                  <a:lnTo>
+                    <a:pt x="34794" y="0"/>
+                  </a:lnTo>
+                </a:path>
+              </a:pathLst>
+            </a:custGeom>
+            <a:ln w="13550" cap="flat">
+              <a:solidFill>
+                <a:srgbClr val="333333">
+                  <a:alpha val="100000"/>
+                </a:srgbClr>
+              </a:solidFill>
+              <a:prstDash val="solid"/>
+              <a:round/>
+            </a:ln>
+          </p:spPr>
+          <p:txBody>
+            <a:bodyPr/>
+            <a:lstStyle/>
+            <a:p/>
+          </p:txBody>
+        </p:sp>
+        <p:sp>
+          <p:nvSpPr>
+            <p:cNvPr id="67" name="pl67"/>
+            <p:cNvSpPr/>
+            <p:nvPr/>
+          </p:nvSpPr>
+          <p:spPr>
+            <a:xfrm>
+              <a:off x="387653" y="2696730"/>
+              <a:ext cx="34794" cy="0"/>
+            </a:xfrm>
+            <a:custGeom>
+              <a:avLst/>
+              <a:pathLst>
+                <a:path w="34794" h="0">
+                  <a:moveTo>
+                    <a:pt x="0" y="0"/>
+                  </a:moveTo>
+                  <a:lnTo>
+                    <a:pt x="34794" y="0"/>
+                  </a:lnTo>
+                </a:path>
+              </a:pathLst>
+            </a:custGeom>
+            <a:ln w="13550" cap="flat">
+              <a:solidFill>
+                <a:srgbClr val="333333">
+                  <a:alpha val="100000"/>
+                </a:srgbClr>
+              </a:solidFill>
+              <a:prstDash val="solid"/>
+              <a:round/>
+            </a:ln>
+          </p:spPr>
+          <p:txBody>
+            <a:bodyPr/>
+            <a:lstStyle/>
+            <a:p/>
+          </p:txBody>
+        </p:sp>
+        <p:sp>
+          <p:nvSpPr>
+            <p:cNvPr id="68" name="pl68"/>
+            <p:cNvSpPr/>
+            <p:nvPr/>
+          </p:nvSpPr>
+          <p:spPr>
+            <a:xfrm>
+              <a:off x="387653" y="1505568"/>
+              <a:ext cx="34794" cy="0"/>
+            </a:xfrm>
+            <a:custGeom>
+              <a:avLst/>
+              <a:pathLst>
+                <a:path w="34794" h="0">
+                  <a:moveTo>
+                    <a:pt x="0" y="0"/>
+                  </a:moveTo>
+                  <a:lnTo>
+                    <a:pt x="34794" y="0"/>
+                  </a:lnTo>
+                </a:path>
+              </a:pathLst>
+            </a:custGeom>
+            <a:ln w="13550" cap="flat">
+              <a:solidFill>
+                <a:srgbClr val="333333">
+                  <a:alpha val="100000"/>
+                </a:srgbClr>
+              </a:solidFill>
+              <a:prstDash val="solid"/>
+              <a:round/>
+            </a:ln>
+          </p:spPr>
+          <p:txBody>
+            <a:bodyPr/>
+            <a:lstStyle/>
+            <a:p/>
+          </p:txBody>
+        </p:sp>
+        <p:sp>
+          <p:nvSpPr>
+            <p:cNvPr id="69" name="pl69"/>
+            <p:cNvSpPr/>
+            <p:nvPr/>
+          </p:nvSpPr>
+          <p:spPr>
+            <a:xfrm>
+              <a:off x="387653" y="314406"/>
+              <a:ext cx="34794" cy="0"/>
+            </a:xfrm>
+            <a:custGeom>
+              <a:avLst/>
+              <a:pathLst>
+                <a:path w="34794" h="0">
+                  <a:moveTo>
+                    <a:pt x="0" y="0"/>
+                  </a:moveTo>
+                  <a:lnTo>
+                    <a:pt x="34794" y="0"/>
+                  </a:lnTo>
+                </a:path>
+              </a:pathLst>
+            </a:custGeom>
+            <a:ln w="13550" cap="flat">
+              <a:solidFill>
+                <a:srgbClr val="333333">
+                  <a:alpha val="100000"/>
+                </a:srgbClr>
+              </a:solidFill>
+              <a:prstDash val="solid"/>
+              <a:round/>
+            </a:ln>
+          </p:spPr>
+          <p:txBody>
+            <a:bodyPr/>
+            <a:lstStyle/>
+            <a:p/>
+          </p:txBody>
+        </p:sp>
+        <p:sp>
+          <p:nvSpPr>
+            <p:cNvPr id="70" name="pl70"/>
+            <p:cNvSpPr/>
+            <p:nvPr/>
+          </p:nvSpPr>
+          <p:spPr>
+            <a:xfrm>
+              <a:off x="1610522" y="6454845"/>
+              <a:ext cx="0" cy="34794"/>
+            </a:xfrm>
+            <a:custGeom>
+              <a:avLst/>
+              <a:pathLst>
+                <a:path w="0" h="34794">
+                  <a:moveTo>
+                    <a:pt x="0" y="34794"/>
+                  </a:moveTo>
+                  <a:lnTo>
+                    <a:pt x="0" y="0"/>
+                  </a:lnTo>
+                </a:path>
+              </a:pathLst>
+            </a:custGeom>
+            <a:ln w="13550" cap="flat">
+              <a:solidFill>
+                <a:srgbClr val="333333">
+                  <a:alpha val="100000"/>
+                </a:srgbClr>
+              </a:solidFill>
+              <a:prstDash val="solid"/>
+              <a:round/>
+            </a:ln>
+          </p:spPr>
+          <p:txBody>
+            <a:bodyPr/>
+            <a:lstStyle/>
+            <a:p/>
+          </p:txBody>
+        </p:sp>
+        <p:sp>
+          <p:nvSpPr>
+            <p:cNvPr id="71" name="pl71"/>
+            <p:cNvSpPr/>
+            <p:nvPr/>
+          </p:nvSpPr>
+          <p:spPr>
+            <a:xfrm>
+              <a:off x="3351162" y="6454845"/>
+              <a:ext cx="0" cy="34794"/>
+            </a:xfrm>
+            <a:custGeom>
+              <a:avLst/>
+              <a:pathLst>
+                <a:path w="0" h="34794">
+                  <a:moveTo>
+                    <a:pt x="0" y="34794"/>
+                  </a:moveTo>
+                  <a:lnTo>
+                    <a:pt x="0" y="0"/>
+                  </a:lnTo>
+                </a:path>
+              </a:pathLst>
+            </a:custGeom>
+            <a:ln w="13550" cap="flat">
+              <a:solidFill>
+                <a:srgbClr val="333333">
+                  <a:alpha val="100000"/>
+                </a:srgbClr>
+              </a:solidFill>
+              <a:prstDash val="solid"/>
+              <a:round/>
+            </a:ln>
+          </p:spPr>
+          <p:txBody>
+            <a:bodyPr/>
+            <a:lstStyle/>
+            <a:p/>
+          </p:txBody>
+        </p:sp>
+        <p:sp>
+          <p:nvSpPr>
+            <p:cNvPr id="72" name="pl72"/>
+            <p:cNvSpPr/>
+            <p:nvPr/>
+          </p:nvSpPr>
+          <p:spPr>
+            <a:xfrm>
+              <a:off x="5091802" y="6454845"/>
+              <a:ext cx="0" cy="34794"/>
+            </a:xfrm>
+            <a:custGeom>
+              <a:avLst/>
+              <a:pathLst>
+                <a:path w="0" h="34794">
+                  <a:moveTo>
+                    <a:pt x="0" y="34794"/>
+                  </a:moveTo>
+                  <a:lnTo>
+                    <a:pt x="0" y="0"/>
+                  </a:lnTo>
+                </a:path>
+              </a:pathLst>
+            </a:custGeom>
+            <a:ln w="13550" cap="flat">
+              <a:solidFill>
+                <a:srgbClr val="333333">
+                  <a:alpha val="100000"/>
+                </a:srgbClr>
+              </a:solidFill>
+              <a:prstDash val="solid"/>
+              <a:round/>
+            </a:ln>
+          </p:spPr>
+          <p:txBody>
+            <a:bodyPr/>
+            <a:lstStyle/>
+            <a:p/>
+          </p:txBody>
+        </p:sp>
+        <p:sp>
+          <p:nvSpPr>
+            <p:cNvPr id="73" name="pl73"/>
+            <p:cNvSpPr/>
+            <p:nvPr/>
+          </p:nvSpPr>
+          <p:spPr>
+            <a:xfrm>
+              <a:off x="6832442" y="6454845"/>
+              <a:ext cx="0" cy="34794"/>
+            </a:xfrm>
+            <a:custGeom>
+              <a:avLst/>
+              <a:pathLst>
+                <a:path w="0" h="34794">
+                  <a:moveTo>
+                    <a:pt x="0" y="34794"/>
+                  </a:moveTo>
+                  <a:lnTo>
+                    <a:pt x="0" y="0"/>
+                  </a:lnTo>
+                </a:path>
+              </a:pathLst>
+            </a:custGeom>
+            <a:ln w="13550" cap="flat">
+              <a:solidFill>
+                <a:srgbClr val="333333">
+                  <a:alpha val="100000"/>
+                </a:srgbClr>
+              </a:solidFill>
+              <a:prstDash val="solid"/>
+              <a:round/>
+            </a:ln>
+          </p:spPr>
+          <p:txBody>
+            <a:bodyPr/>
+            <a:lstStyle/>
+            <a:p/>
+          </p:txBody>
+        </p:sp>
+        <p:sp>
+          <p:nvSpPr>
+            <p:cNvPr id="74" name="tx74"/>
+            <p:cNvSpPr/>
+            <p:nvPr/>
+          </p:nvSpPr>
+          <p:spPr>
+            <a:xfrm>
+              <a:off x="1579455" y="6519261"/>
+              <a:ext cx="62133" cy="78382"/>
+            </a:xfrm>
+            <a:prstGeom prst="rect">
+              <a:avLst/>
+            </a:prstGeom>
+            <a:noFill/>
+          </p:spPr>
+          <p:txBody>
+            <a:bodyPr lIns="0" rIns="0" tIns="0" bIns="0" anchorCtr="1" anchor="ctr" wrap="none"/>
+            <a:lstStyle/>
+            <a:p>
+              <a:pPr algn="l" marL="0" marR="0" indent="0">
+                <a:lnSpc>
+                  <a:spcPts val="880"/>
+                </a:lnSpc>
+                <a:spcBef>
+                  <a:spcPts val="0"/>
+                </a:spcBef>
+                <a:spcAft>
+                  <a:spcPts val="0"/>
+                </a:spcAft>
+              </a:pPr>
+              <a:r>
+                <a:rPr sz="880">
+                  <a:solidFill>
+                    <a:srgbClr val="4D4D4D">
+                      <a:alpha val="100000"/>
+                    </a:srgbClr>
+                  </a:solidFill>
+                  <a:latin typeface="Helvetica"/>
+                  <a:cs typeface="Helvetica"/>
+                </a:rPr>
+                <a:t>2</a:t>
+              </a:r>
+            </a:p>
+          </p:txBody>
+        </p:sp>
+        <p:sp>
+          <p:nvSpPr>
+            <p:cNvPr id="75" name="tx75"/>
+            <p:cNvSpPr/>
+            <p:nvPr/>
+          </p:nvSpPr>
+          <p:spPr>
+            <a:xfrm>
+              <a:off x="3320095" y="6517277"/>
+              <a:ext cx="62133" cy="80367"/>
+            </a:xfrm>
+            <a:prstGeom prst="rect">
+              <a:avLst/>
+            </a:prstGeom>
+            <a:noFill/>
+          </p:spPr>
+          <p:txBody>
+            <a:bodyPr lIns="0" rIns="0" tIns="0" bIns="0" anchorCtr="1" anchor="ctr" wrap="none"/>
+            <a:lstStyle/>
+            <a:p>
+              <a:pPr algn="l" marL="0" marR="0" indent="0">
+                <a:lnSpc>
+                  <a:spcPts val="880"/>
+                </a:lnSpc>
+                <a:spcBef>
+                  <a:spcPts val="0"/>
+                </a:spcBef>
+                <a:spcAft>
+                  <a:spcPts val="0"/>
+                </a:spcAft>
+              </a:pPr>
+              <a:r>
+                <a:rPr sz="880">
+                  <a:solidFill>
+                    <a:srgbClr val="4D4D4D">
+                      <a:alpha val="100000"/>
+                    </a:srgbClr>
+                  </a:solidFill>
+                  <a:latin typeface="Helvetica"/>
+                  <a:cs typeface="Helvetica"/>
+                </a:rPr>
+                <a:t>3</a:t>
+              </a:r>
+            </a:p>
+          </p:txBody>
+        </p:sp>
+        <p:sp>
+          <p:nvSpPr>
+            <p:cNvPr id="76" name="tx76"/>
+            <p:cNvSpPr/>
+            <p:nvPr/>
+          </p:nvSpPr>
+          <p:spPr>
+            <a:xfrm>
+              <a:off x="5060735" y="6519261"/>
+              <a:ext cx="62133" cy="78382"/>
+            </a:xfrm>
+            <a:prstGeom prst="rect">
+              <a:avLst/>
+            </a:prstGeom>
+            <a:noFill/>
+          </p:spPr>
+          <p:txBody>
+            <a:bodyPr lIns="0" rIns="0" tIns="0" bIns="0" anchorCtr="1" anchor="ctr" wrap="none"/>
+            <a:lstStyle/>
+            <a:p>
+              <a:pPr algn="l" marL="0" marR="0" indent="0">
+                <a:lnSpc>
+                  <a:spcPts val="880"/>
+                </a:lnSpc>
+                <a:spcBef>
+                  <a:spcPts val="0"/>
+                </a:spcBef>
+                <a:spcAft>
+                  <a:spcPts val="0"/>
+                </a:spcAft>
+              </a:pPr>
+              <a:r>
+                <a:rPr sz="880">
+                  <a:solidFill>
+                    <a:srgbClr val="4D4D4D">
+                      <a:alpha val="100000"/>
+                    </a:srgbClr>
+                  </a:solidFill>
+                  <a:latin typeface="Helvetica"/>
+                  <a:cs typeface="Helvetica"/>
+                </a:rPr>
+                <a:t>4</a:t>
+              </a:r>
+            </a:p>
+          </p:txBody>
+        </p:sp>
+        <p:sp>
+          <p:nvSpPr>
+            <p:cNvPr id="77" name="tx77"/>
+            <p:cNvSpPr/>
+            <p:nvPr/>
+          </p:nvSpPr>
+          <p:spPr>
+            <a:xfrm>
+              <a:off x="6801375" y="6518864"/>
+              <a:ext cx="62133" cy="78779"/>
+            </a:xfrm>
+            <a:prstGeom prst="rect">
+              <a:avLst/>
+            </a:prstGeom>
+            <a:noFill/>
+          </p:spPr>
+          <p:txBody>
+            <a:bodyPr lIns="0" rIns="0" tIns="0" bIns="0" anchorCtr="1" anchor="ctr" wrap="none"/>
+            <a:lstStyle/>
+            <a:p>
+              <a:pPr algn="l" marL="0" marR="0" indent="0">
+                <a:lnSpc>
+                  <a:spcPts val="880"/>
+                </a:lnSpc>
+                <a:spcBef>
+                  <a:spcPts val="0"/>
+                </a:spcBef>
+                <a:spcAft>
+                  <a:spcPts val="0"/>
+                </a:spcAft>
+              </a:pPr>
+              <a:r>
+                <a:rPr sz="880">
+                  <a:solidFill>
+                    <a:srgbClr val="4D4D4D">
+                      <a:alpha val="100000"/>
+                    </a:srgbClr>
+                  </a:solidFill>
+                  <a:latin typeface="Helvetica"/>
+                  <a:cs typeface="Helvetica"/>
+                </a:rPr>
+                <a:t>5</a:t>
+              </a:r>
+            </a:p>
+          </p:txBody>
+        </p:sp>
+        <p:sp>
+          <p:nvSpPr>
+            <p:cNvPr id="78" name="tx78"/>
+            <p:cNvSpPr/>
+            <p:nvPr/>
+          </p:nvSpPr>
+          <p:spPr>
+            <a:xfrm>
+              <a:off x="3984182" y="6626287"/>
+              <a:ext cx="364938" cy="131167"/>
+            </a:xfrm>
+            <a:prstGeom prst="rect">
+              <a:avLst/>
+            </a:prstGeom>
+            <a:noFill/>
+          </p:spPr>
+          <p:txBody>
+            <a:bodyPr lIns="0" rIns="0" tIns="0" bIns="0" anchorCtr="1" anchor="ctr" wrap="none"/>
+            <a:lstStyle/>
+            <a:p>
+              <a:pPr algn="l" marL="0" marR="0" indent="0">
+                <a:lnSpc>
+                  <a:spcPts val="1100"/>
+                </a:lnSpc>
+                <a:spcBef>
+                  <a:spcPts val="0"/>
+                </a:spcBef>
+                <a:spcAft>
+                  <a:spcPts val="0"/>
+                </a:spcAft>
+              </a:pPr>
+              <a:r>
+                <a:rPr sz="1100">
+                  <a:solidFill>
+                    <a:srgbClr val="000000">
+                      <a:alpha val="100000"/>
+                    </a:srgbClr>
+                  </a:solidFill>
+                  <a:latin typeface="Helvetica"/>
+                  <a:cs typeface="Helvetica"/>
+                </a:rPr>
+                <a:t>Waga</a:t>
+              </a:r>
+            </a:p>
+          </p:txBody>
+        </p:sp>
+        <p:sp>
+          <p:nvSpPr>
+            <p:cNvPr id="79" name="tx79"/>
+            <p:cNvSpPr/>
+            <p:nvPr/>
+          </p:nvSpPr>
+          <p:spPr>
+            <a:xfrm rot="-5400000">
+              <a:off x="-311268" y="3310108"/>
+              <a:ext cx="830969" cy="131167"/>
+            </a:xfrm>
+            <a:prstGeom prst="rect">
+              <a:avLst/>
+            </a:prstGeom>
+            <a:noFill/>
+          </p:spPr>
+          <p:txBody>
+            <a:bodyPr lIns="0" rIns="0" tIns="0" bIns="0" anchorCtr="1" anchor="ctr" wrap="none"/>
+            <a:lstStyle/>
+            <a:p>
+              <a:pPr algn="l" marL="0" marR="0" indent="0">
+                <a:lnSpc>
+                  <a:spcPts val="1100"/>
+                </a:lnSpc>
+                <a:spcBef>
+                  <a:spcPts val="0"/>
+                </a:spcBef>
+                <a:spcAft>
+                  <a:spcPts val="0"/>
+                </a:spcAft>
+              </a:pPr>
+              <a:r>
+                <a:rPr sz="1100">
+                  <a:solidFill>
+                    <a:srgbClr val="000000">
+                      <a:alpha val="100000"/>
+                    </a:srgbClr>
+                  </a:solidFill>
+                  <a:latin typeface="Helvetica"/>
+                  <a:cs typeface="Helvetica"/>
+                </a:rPr>
+                <a:t>Mile na galon</a:t>
+              </a:r>
+            </a:p>
+          </p:txBody>
+        </p:sp>
+        <p:sp>
+          <p:nvSpPr>
+            <p:cNvPr id="80" name="rc80"/>
+            <p:cNvSpPr/>
+            <p:nvPr/>
+          </p:nvSpPr>
+          <p:spPr>
+            <a:xfrm>
+              <a:off x="8050034" y="2986269"/>
+              <a:ext cx="1024376" cy="778846"/>
+            </a:xfrm>
+            <a:prstGeom prst="rect">
+              <a:avLst/>
+            </a:prstGeom>
+            <a:solidFill>
+              <a:srgbClr val="FFFFFF">
+                <a:alpha val="100000"/>
+              </a:srgbClr>
+            </a:solidFill>
+          </p:spPr>
+          <p:txBody>
+            <a:bodyPr/>
+            <a:lstStyle/>
+            <a:p/>
+          </p:txBody>
+        </p:sp>
+        <p:sp>
+          <p:nvSpPr>
+            <p:cNvPr id="81" name="tx81"/>
+            <p:cNvSpPr/>
+            <p:nvPr/>
+          </p:nvSpPr>
+          <p:spPr>
+            <a:xfrm>
+              <a:off x="8119623" y="3041372"/>
+              <a:ext cx="885198" cy="130175"/>
+            </a:xfrm>
+            <a:prstGeom prst="rect">
+              <a:avLst/>
+            </a:prstGeom>
+            <a:noFill/>
+          </p:spPr>
+          <p:txBody>
+            <a:bodyPr lIns="0" rIns="0" tIns="0" bIns="0" anchorCtr="1" anchor="ctr" wrap="none"/>
+            <a:lstStyle/>
+            <a:p>
+              <a:pPr algn="l" marL="0" marR="0" indent="0">
+                <a:lnSpc>
+                  <a:spcPts val="1100"/>
+                </a:lnSpc>
+                <a:spcBef>
+                  <a:spcPts val="0"/>
+                </a:spcBef>
+                <a:spcAft>
+                  <a:spcPts val="0"/>
+                </a:spcAft>
+              </a:pPr>
+              <a:r>
+                <a:rPr sz="1100">
+                  <a:solidFill>
+                    <a:srgbClr val="000000">
+                      <a:alpha val="100000"/>
+                    </a:srgbClr>
+                  </a:solidFill>
+                  <a:latin typeface="Helvetica"/>
+                  <a:cs typeface="Helvetica"/>
+                </a:rPr>
+                <a:t>Automatyczna</a:t>
+              </a:r>
+            </a:p>
+          </p:txBody>
+        </p:sp>
+        <p:sp>
+          <p:nvSpPr>
+            <p:cNvPr id="82" name="rc82"/>
+            <p:cNvSpPr/>
+            <p:nvPr/>
+          </p:nvSpPr>
+          <p:spPr>
+            <a:xfrm>
+              <a:off x="8119623" y="3256614"/>
+              <a:ext cx="219455" cy="219455"/>
+            </a:xfrm>
+            <a:prstGeom prst="rect">
+              <a:avLst/>
+            </a:prstGeom>
+            <a:solidFill>
+              <a:srgbClr val="F2F2F2">
+                <a:alpha val="100000"/>
+              </a:srgbClr>
+            </a:solidFill>
+          </p:spPr>
+          <p:txBody>
+            <a:bodyPr/>
+            <a:lstStyle/>
+            <a:p/>
+          </p:txBody>
+        </p:sp>
+        <p:sp>
+          <p:nvSpPr>
+            <p:cNvPr id="83" name="pt83"/>
+            <p:cNvSpPr/>
+            <p:nvPr/>
+          </p:nvSpPr>
+          <p:spPr>
+            <a:xfrm>
+              <a:off x="8204525" y="3341516"/>
+              <a:ext cx="49651" cy="49651"/>
+            </a:xfrm>
+            <a:prstGeom prst="ellipse">
+              <a:avLst/>
+            </a:prstGeom>
+            <a:solidFill>
+              <a:srgbClr val="E41A1C">
+                <a:alpha val="100000"/>
+              </a:srgbClr>
+            </a:solidFill>
+            <a:ln w="9000" cap="rnd">
+              <a:solidFill>
+                <a:srgbClr val="E41A1C">
+                  <a:alpha val="100000"/>
+                </a:srgbClr>
+              </a:solidFill>
+              <a:prstDash val="solid"/>
+              <a:round/>
+            </a:ln>
+          </p:spPr>
+          <p:txBody>
+            <a:bodyPr/>
+            <a:lstStyle/>
+            <a:p/>
+          </p:txBody>
+        </p:sp>
+        <p:sp>
+          <p:nvSpPr>
+            <p:cNvPr id="84" name="rc84"/>
+            <p:cNvSpPr/>
+            <p:nvPr/>
+          </p:nvSpPr>
+          <p:spPr>
+            <a:xfrm>
+              <a:off x="8119623" y="3476070"/>
+              <a:ext cx="219455" cy="219455"/>
+            </a:xfrm>
+            <a:prstGeom prst="rect">
+              <a:avLst/>
+            </a:prstGeom>
+            <a:solidFill>
+              <a:srgbClr val="F2F2F2">
+                <a:alpha val="100000"/>
+              </a:srgbClr>
+            </a:solidFill>
+          </p:spPr>
+          <p:txBody>
+            <a:bodyPr/>
+            <a:lstStyle/>
+            <a:p/>
+          </p:txBody>
+        </p:sp>
+        <p:sp>
+          <p:nvSpPr>
+            <p:cNvPr id="85" name="pt85"/>
+            <p:cNvSpPr/>
+            <p:nvPr/>
+          </p:nvSpPr>
+          <p:spPr>
+            <a:xfrm>
+              <a:off x="8204525" y="3560972"/>
+              <a:ext cx="49651" cy="49651"/>
+            </a:xfrm>
+            <a:prstGeom prst="ellipse">
+              <a:avLst/>
+            </a:prstGeom>
+            <a:solidFill>
+              <a:srgbClr val="377EB8">
+                <a:alpha val="100000"/>
+              </a:srgbClr>
+            </a:solidFill>
+            <a:ln w="9000" cap="rnd">
+              <a:solidFill>
+                <a:srgbClr val="377EB8">
+                  <a:alpha val="100000"/>
+                </a:srgbClr>
+              </a:solidFill>
+              <a:prstDash val="solid"/>
+              <a:round/>
+            </a:ln>
+          </p:spPr>
+          <p:txBody>
+            <a:bodyPr/>
+            <a:lstStyle/>
+            <a:p/>
+          </p:txBody>
+        </p:sp>
+        <p:sp>
+          <p:nvSpPr>
+            <p:cNvPr id="86" name="tx86"/>
+            <p:cNvSpPr/>
+            <p:nvPr/>
+          </p:nvSpPr>
+          <p:spPr>
+            <a:xfrm>
+              <a:off x="8408668" y="3326059"/>
+              <a:ext cx="62133" cy="80367"/>
+            </a:xfrm>
+            <a:prstGeom prst="rect">
+              <a:avLst/>
+            </a:prstGeom>
+            <a:noFill/>
+          </p:spPr>
+          <p:txBody>
+            <a:bodyPr lIns="0" rIns="0" tIns="0" bIns="0" anchorCtr="1" anchor="ctr" wrap="none"/>
+            <a:lstStyle/>
+            <a:p>
+              <a:pPr algn="l" marL="0" marR="0" indent="0">
+                <a:lnSpc>
+                  <a:spcPts val="880"/>
+                </a:lnSpc>
+                <a:spcBef>
+                  <a:spcPts val="0"/>
+                </a:spcBef>
+                <a:spcAft>
+                  <a:spcPts val="0"/>
+                </a:spcAft>
+              </a:pPr>
+              <a:r>
+                <a:rPr sz="880">
+                  <a:solidFill>
+                    <a:srgbClr val="000000">
+                      <a:alpha val="100000"/>
+                    </a:srgbClr>
+                  </a:solidFill>
+                  <a:latin typeface="Helvetica"/>
+                  <a:cs typeface="Helvetica"/>
+                </a:rPr>
+                <a:t>0</a:t>
+              </a:r>
+            </a:p>
+          </p:txBody>
+        </p:sp>
+        <p:sp>
+          <p:nvSpPr>
+            <p:cNvPr id="87" name="tx87"/>
+            <p:cNvSpPr/>
+            <p:nvPr/>
+          </p:nvSpPr>
+          <p:spPr>
+            <a:xfrm>
+              <a:off x="8408668" y="3548095"/>
+              <a:ext cx="62133" cy="77787"/>
+            </a:xfrm>
+            <a:prstGeom prst="rect">
+              <a:avLst/>
+            </a:prstGeom>
+            <a:noFill/>
+          </p:spPr>
+          <p:txBody>
+            <a:bodyPr lIns="0" rIns="0" tIns="0" bIns="0" anchorCtr="1" anchor="ctr" wrap="none"/>
+            <a:lstStyle/>
+            <a:p>
+              <a:pPr algn="l" marL="0" marR="0" indent="0">
+                <a:lnSpc>
+                  <a:spcPts val="880"/>
+                </a:lnSpc>
+                <a:spcBef>
+                  <a:spcPts val="0"/>
+                </a:spcBef>
+                <a:spcAft>
+                  <a:spcPts val="0"/>
+                </a:spcAft>
+              </a:pPr>
+              <a:r>
+                <a:rPr sz="880">
+                  <a:solidFill>
+                    <a:srgbClr val="000000">
+                      <a:alpha val="100000"/>
+                    </a:srgbClr>
+                  </a:solidFill>
+                  <a:latin typeface="Helvetica"/>
+                  <a:cs typeface="Helvetica"/>
+                </a:rPr>
+                <a:t>1</a:t>
+              </a:r>
+            </a:p>
+          </p:txBody>
+        </p:sp>
+        <p:sp>
+          <p:nvSpPr>
+            <p:cNvPr id="88" name="tx88"/>
+            <p:cNvSpPr/>
+            <p:nvPr/>
+          </p:nvSpPr>
+          <p:spPr>
+            <a:xfrm>
+              <a:off x="422448" y="28512"/>
+              <a:ext cx="4119455" cy="161329"/>
+            </a:xfrm>
+            <a:prstGeom prst="rect">
+              <a:avLst/>
+            </a:prstGeom>
+            <a:noFill/>
+          </p:spPr>
+          <p:txBody>
+            <a:bodyPr lIns="0" rIns="0" tIns="0" bIns="0" anchorCtr="1" anchor="ctr" wrap="none"/>
+            <a:lstStyle/>
+            <a:p>
+              <a:pPr algn="l" marL="0" marR="0" indent="0">
+                <a:lnSpc>
+                  <a:spcPts val="1320"/>
+                </a:lnSpc>
+                <a:spcBef>
+                  <a:spcPts val="0"/>
+                </a:spcBef>
+                <a:spcAft>
+                  <a:spcPts val="0"/>
+                </a:spcAft>
+              </a:pPr>
+              <a:r>
+                <a:rPr sz="1320">
+                  <a:solidFill>
+                    <a:srgbClr val="000000">
+                      <a:alpha val="100000"/>
+                    </a:srgbClr>
+                  </a:solidFill>
+                  <a:latin typeface="Helvetica"/>
+                  <a:cs typeface="Helvetica"/>
+                </a:rPr>
+                <a:t>Zależność miedzy wagą, a liczba mil na jednym galonie</a:t>
+              </a:r>
+            </a:p>
+          </p:txBody>
+        </p:sp>
+      </p:grpSp>
     </p:spTree>
   </p:cSld>
   <p:clrMapOvr>
